--- a/lezioni/PASW09 - programmazione generica.pptx
+++ b/lezioni/PASW09 - programmazione generica.pptx
@@ -5,7 +5,7 @@
     <p:sldMasterId id="2147483649" r:id="rId1"/>
   </p:sldMasterIdLst>
   <p:notesMasterIdLst>
-    <p:notesMasterId r:id="rId14"/>
+    <p:notesMasterId r:id="rId17"/>
   </p:notesMasterIdLst>
   <p:sldIdLst>
     <p:sldId id="258" r:id="rId2"/>
@@ -20,6 +20,9 @@
     <p:sldId id="268" r:id="rId11"/>
     <p:sldId id="269" r:id="rId12"/>
     <p:sldId id="270" r:id="rId13"/>
+    <p:sldId id="272" r:id="rId14"/>
+    <p:sldId id="273" r:id="rId15"/>
+    <p:sldId id="274" r:id="rId16"/>
   </p:sldIdLst>
   <p:sldSz cx="12192000" cy="6858000"/>
   <p:notesSz cx="6858000" cy="9144000"/>
@@ -249,7 +252,7 @@
           <a:p>
             <a:fld id="{537EE30C-6FCC-4D68-889C-61DBBB4BBB87}" type="datetimeFigureOut">
               <a:rPr lang="it-IT" smtClean="0"/>
-              <a:t>31/03/2018</a:t>
+              <a:t>15/04/2018</a:t>
             </a:fld>
             <a:endParaRPr lang="it-IT"/>
           </a:p>
@@ -6628,6 +6631,2523 @@
 </p:sld>
 </file>
 
+<file path=ppt/slides/slide13.xml><?xml version="1.0" encoding="utf-8"?>
+<p:sld xmlns:a="http://schemas.openxmlformats.org/drawingml/2006/main" xmlns:r="http://schemas.openxmlformats.org/officeDocument/2006/relationships" xmlns:p="http://schemas.openxmlformats.org/presentationml/2006/main">
+  <p:cSld>
+    <p:spTree>
+      <p:nvGrpSpPr>
+        <p:cNvPr id="1" name=""/>
+        <p:cNvGrpSpPr/>
+        <p:nvPr/>
+      </p:nvGrpSpPr>
+      <p:grpSpPr>
+        <a:xfrm>
+          <a:off x="0" y="0"/>
+          <a:ext cx="0" cy="0"/>
+          <a:chOff x="0" y="0"/>
+          <a:chExt cx="0" cy="0"/>
+        </a:xfrm>
+      </p:grpSpPr>
+      <p:sp>
+        <p:nvSpPr>
+          <p:cNvPr id="2" name="Titolo 1">
+            <a:extLst>
+              <a:ext uri="{FF2B5EF4-FFF2-40B4-BE49-F238E27FC236}">
+                <a16:creationId xmlns:a16="http://schemas.microsoft.com/office/drawing/2014/main" id="{020F8F0F-3AE4-42BA-9EE9-74873B4546E0}"/>
+              </a:ext>
+            </a:extLst>
+          </p:cNvPr>
+          <p:cNvSpPr>
+            <a:spLocks noGrp="1"/>
+          </p:cNvSpPr>
+          <p:nvPr>
+            <p:ph type="title"/>
+          </p:nvPr>
+        </p:nvSpPr>
+        <p:spPr/>
+        <p:txBody>
+          <a:bodyPr/>
+          <a:lstStyle/>
+          <a:p>
+            <a:r>
+              <a:rPr lang="it-IT" dirty="0"/>
+              <a:t>Lista generica (</a:t>
+            </a:r>
+            <a:r>
+              <a:rPr lang="it-IT" dirty="0" err="1"/>
+              <a:t>Nodo.h</a:t>
+            </a:r>
+            <a:r>
+              <a:rPr lang="it-IT" dirty="0"/>
+              <a:t>)</a:t>
+            </a:r>
+          </a:p>
+        </p:txBody>
+      </p:sp>
+      <p:sp>
+        <p:nvSpPr>
+          <p:cNvPr id="3" name="Segnaposto contenuto 2">
+            <a:extLst>
+              <a:ext uri="{FF2B5EF4-FFF2-40B4-BE49-F238E27FC236}">
+                <a16:creationId xmlns:a16="http://schemas.microsoft.com/office/drawing/2014/main" id="{235BDF0D-45A1-4B1B-B5CB-47B21E983D67}"/>
+              </a:ext>
+            </a:extLst>
+          </p:cNvPr>
+          <p:cNvSpPr>
+            <a:spLocks noGrp="1"/>
+          </p:cNvSpPr>
+          <p:nvPr>
+            <p:ph sz="half" idx="1"/>
+          </p:nvPr>
+        </p:nvSpPr>
+        <p:spPr/>
+        <p:txBody>
+          <a:bodyPr/>
+          <a:lstStyle/>
+          <a:p>
+            <a:pPr marL="0" indent="0">
+              <a:buNone/>
+            </a:pPr>
+            <a:r>
+              <a:rPr lang="it-IT" sz="1600" b="1" dirty="0">
+                <a:latin typeface="Courier New" panose="02070309020205020404" pitchFamily="49" charset="0"/>
+                <a:cs typeface="Courier New" panose="02070309020205020404" pitchFamily="49" charset="0"/>
+              </a:rPr>
+              <a:t>// </a:t>
+            </a:r>
+            <a:r>
+              <a:rPr lang="it-IT" sz="1600" b="1" dirty="0" err="1">
+                <a:latin typeface="Courier New" panose="02070309020205020404" pitchFamily="49" charset="0"/>
+                <a:cs typeface="Courier New" panose="02070309020205020404" pitchFamily="49" charset="0"/>
+              </a:rPr>
+              <a:t>Forward</a:t>
+            </a:r>
+            <a:r>
+              <a:rPr lang="it-IT" sz="1600" b="1" dirty="0">
+                <a:latin typeface="Courier New" panose="02070309020205020404" pitchFamily="49" charset="0"/>
+                <a:cs typeface="Courier New" panose="02070309020205020404" pitchFamily="49" charset="0"/>
+              </a:rPr>
+              <a:t> </a:t>
+            </a:r>
+            <a:r>
+              <a:rPr lang="it-IT" sz="1600" b="1" dirty="0" err="1">
+                <a:latin typeface="Courier New" panose="02070309020205020404" pitchFamily="49" charset="0"/>
+                <a:cs typeface="Courier New" panose="02070309020205020404" pitchFamily="49" charset="0"/>
+              </a:rPr>
+              <a:t>reference</a:t>
+            </a:r>
+            <a:endParaRPr lang="it-IT" sz="1600" b="1" dirty="0">
+              <a:latin typeface="Courier New" panose="02070309020205020404" pitchFamily="49" charset="0"/>
+              <a:cs typeface="Courier New" panose="02070309020205020404" pitchFamily="49" charset="0"/>
+            </a:endParaRPr>
+          </a:p>
+          <a:p>
+            <a:pPr marL="0" indent="0">
+              <a:buNone/>
+            </a:pPr>
+            <a:r>
+              <a:rPr lang="it-IT" sz="1600" b="1" dirty="0">
+                <a:solidFill>
+                  <a:srgbClr val="FF0000"/>
+                </a:solidFill>
+                <a:latin typeface="Courier New" panose="02070309020205020404" pitchFamily="49" charset="0"/>
+                <a:cs typeface="Courier New" panose="02070309020205020404" pitchFamily="49" charset="0"/>
+              </a:rPr>
+              <a:t>template &lt;</a:t>
+            </a:r>
+            <a:r>
+              <a:rPr lang="it-IT" sz="1600" b="1" dirty="0" err="1">
+                <a:solidFill>
+                  <a:srgbClr val="FF0000"/>
+                </a:solidFill>
+                <a:latin typeface="Courier New" panose="02070309020205020404" pitchFamily="49" charset="0"/>
+                <a:cs typeface="Courier New" panose="02070309020205020404" pitchFamily="49" charset="0"/>
+              </a:rPr>
+              <a:t>typename</a:t>
+            </a:r>
+            <a:r>
+              <a:rPr lang="it-IT" sz="1600" b="1" dirty="0">
+                <a:solidFill>
+                  <a:srgbClr val="FF0000"/>
+                </a:solidFill>
+                <a:latin typeface="Courier New" panose="02070309020205020404" pitchFamily="49" charset="0"/>
+                <a:cs typeface="Courier New" panose="02070309020205020404" pitchFamily="49" charset="0"/>
+              </a:rPr>
+              <a:t> E&gt; class Lista;  </a:t>
+            </a:r>
+          </a:p>
+          <a:p>
+            <a:pPr marL="0" indent="0">
+              <a:buNone/>
+            </a:pPr>
+            <a:endParaRPr lang="it-IT" sz="1600" b="1" dirty="0">
+              <a:latin typeface="Courier New" panose="02070309020205020404" pitchFamily="49" charset="0"/>
+              <a:cs typeface="Courier New" panose="02070309020205020404" pitchFamily="49" charset="0"/>
+            </a:endParaRPr>
+          </a:p>
+          <a:p>
+            <a:pPr marL="0" indent="0">
+              <a:buNone/>
+            </a:pPr>
+            <a:r>
+              <a:rPr lang="it-IT" sz="1600" b="1" dirty="0">
+                <a:solidFill>
+                  <a:srgbClr val="FF0000"/>
+                </a:solidFill>
+                <a:latin typeface="Courier New" panose="02070309020205020404" pitchFamily="49" charset="0"/>
+                <a:cs typeface="Courier New" panose="02070309020205020404" pitchFamily="49" charset="0"/>
+              </a:rPr>
+              <a:t>template &lt;</a:t>
+            </a:r>
+            <a:r>
+              <a:rPr lang="it-IT" sz="1600" b="1" dirty="0" err="1">
+                <a:solidFill>
+                  <a:srgbClr val="FF0000"/>
+                </a:solidFill>
+                <a:latin typeface="Courier New" panose="02070309020205020404" pitchFamily="49" charset="0"/>
+                <a:cs typeface="Courier New" panose="02070309020205020404" pitchFamily="49" charset="0"/>
+              </a:rPr>
+              <a:t>typename</a:t>
+            </a:r>
+            <a:r>
+              <a:rPr lang="it-IT" sz="1600" b="1" dirty="0">
+                <a:solidFill>
+                  <a:srgbClr val="FF0000"/>
+                </a:solidFill>
+                <a:latin typeface="Courier New" panose="02070309020205020404" pitchFamily="49" charset="0"/>
+                <a:cs typeface="Courier New" panose="02070309020205020404" pitchFamily="49" charset="0"/>
+              </a:rPr>
+              <a:t> E&gt;</a:t>
+            </a:r>
+          </a:p>
+          <a:p>
+            <a:pPr marL="0" indent="0">
+              <a:buNone/>
+            </a:pPr>
+            <a:r>
+              <a:rPr lang="it-IT" sz="1600" b="1" dirty="0">
+                <a:latin typeface="Courier New" panose="02070309020205020404" pitchFamily="49" charset="0"/>
+                <a:cs typeface="Courier New" panose="02070309020205020404" pitchFamily="49" charset="0"/>
+              </a:rPr>
+              <a:t>class Nodo {</a:t>
+            </a:r>
+          </a:p>
+          <a:p>
+            <a:pPr marL="0" indent="0">
+              <a:buNone/>
+            </a:pPr>
+            <a:r>
+              <a:rPr lang="it-IT" sz="1600" b="1" dirty="0">
+                <a:latin typeface="Courier New" panose="02070309020205020404" pitchFamily="49" charset="0"/>
+                <a:cs typeface="Courier New" panose="02070309020205020404" pitchFamily="49" charset="0"/>
+              </a:rPr>
+              <a:t>private:</a:t>
+            </a:r>
+          </a:p>
+          <a:p>
+            <a:pPr marL="0" indent="0">
+              <a:buNone/>
+            </a:pPr>
+            <a:r>
+              <a:rPr lang="it-IT" sz="1600" b="1" dirty="0">
+                <a:latin typeface="Courier New" panose="02070309020205020404" pitchFamily="49" charset="0"/>
+                <a:cs typeface="Courier New" panose="02070309020205020404" pitchFamily="49" charset="0"/>
+              </a:rPr>
+              <a:t>   </a:t>
+            </a:r>
+            <a:r>
+              <a:rPr lang="it-IT" sz="1600" b="1" dirty="0">
+                <a:solidFill>
+                  <a:srgbClr val="FF0000"/>
+                </a:solidFill>
+                <a:latin typeface="Courier New" panose="02070309020205020404" pitchFamily="49" charset="0"/>
+                <a:cs typeface="Courier New" panose="02070309020205020404" pitchFamily="49" charset="0"/>
+              </a:rPr>
+              <a:t>E</a:t>
+            </a:r>
+            <a:r>
+              <a:rPr lang="it-IT" sz="1600" b="1" dirty="0">
+                <a:latin typeface="Courier New" panose="02070309020205020404" pitchFamily="49" charset="0"/>
+                <a:cs typeface="Courier New" panose="02070309020205020404" pitchFamily="49" charset="0"/>
+              </a:rPr>
+              <a:t> info;</a:t>
+            </a:r>
+          </a:p>
+          <a:p>
+            <a:pPr marL="0" indent="0">
+              <a:buNone/>
+            </a:pPr>
+            <a:r>
+              <a:rPr lang="it-IT" sz="1600" b="1" dirty="0">
+                <a:latin typeface="Courier New" panose="02070309020205020404" pitchFamily="49" charset="0"/>
+                <a:cs typeface="Courier New" panose="02070309020205020404" pitchFamily="49" charset="0"/>
+              </a:rPr>
+              <a:t>   Nodo * </a:t>
+            </a:r>
+            <a:r>
+              <a:rPr lang="it-IT" sz="1600" b="1" dirty="0" err="1">
+                <a:latin typeface="Courier New" panose="02070309020205020404" pitchFamily="49" charset="0"/>
+                <a:cs typeface="Courier New" panose="02070309020205020404" pitchFamily="49" charset="0"/>
+              </a:rPr>
+              <a:t>next</a:t>
+            </a:r>
+            <a:r>
+              <a:rPr lang="it-IT" sz="1600" b="1" dirty="0">
+                <a:latin typeface="Courier New" panose="02070309020205020404" pitchFamily="49" charset="0"/>
+                <a:cs typeface="Courier New" panose="02070309020205020404" pitchFamily="49" charset="0"/>
+              </a:rPr>
+              <a:t>;</a:t>
+            </a:r>
+          </a:p>
+          <a:p>
+            <a:pPr marL="0" indent="0">
+              <a:buNone/>
+            </a:pPr>
+            <a:r>
+              <a:rPr lang="it-IT" sz="1600" b="1" dirty="0">
+                <a:latin typeface="Courier New" panose="02070309020205020404" pitchFamily="49" charset="0"/>
+                <a:cs typeface="Courier New" panose="02070309020205020404" pitchFamily="49" charset="0"/>
+              </a:rPr>
+              <a:t>public:</a:t>
+            </a:r>
+          </a:p>
+          <a:p>
+            <a:pPr marL="0" indent="0">
+              <a:buNone/>
+            </a:pPr>
+            <a:r>
+              <a:rPr lang="it-IT" sz="1600" b="1" dirty="0">
+                <a:latin typeface="Courier New" panose="02070309020205020404" pitchFamily="49" charset="0"/>
+                <a:cs typeface="Courier New" panose="02070309020205020404" pitchFamily="49" charset="0"/>
+              </a:rPr>
+              <a:t>   Nodo(</a:t>
+            </a:r>
+            <a:r>
+              <a:rPr lang="it-IT" sz="1600" b="1" dirty="0">
+                <a:solidFill>
+                  <a:srgbClr val="FF0000"/>
+                </a:solidFill>
+                <a:latin typeface="Courier New" panose="02070309020205020404" pitchFamily="49" charset="0"/>
+                <a:cs typeface="Courier New" panose="02070309020205020404" pitchFamily="49" charset="0"/>
+              </a:rPr>
+              <a:t>E</a:t>
+            </a:r>
+            <a:r>
+              <a:rPr lang="it-IT" sz="1600" b="1" dirty="0">
+                <a:latin typeface="Courier New" panose="02070309020205020404" pitchFamily="49" charset="0"/>
+                <a:cs typeface="Courier New" panose="02070309020205020404" pitchFamily="49" charset="0"/>
+              </a:rPr>
+              <a:t> </a:t>
+            </a:r>
+            <a:r>
+              <a:rPr lang="it-IT" sz="1600" b="1" dirty="0" err="1">
+                <a:latin typeface="Courier New" panose="02070309020205020404" pitchFamily="49" charset="0"/>
+                <a:cs typeface="Courier New" panose="02070309020205020404" pitchFamily="49" charset="0"/>
+              </a:rPr>
+              <a:t>e</a:t>
+            </a:r>
+            <a:r>
+              <a:rPr lang="it-IT" sz="1600" b="1" dirty="0">
+                <a:latin typeface="Courier New" panose="02070309020205020404" pitchFamily="49" charset="0"/>
+                <a:cs typeface="Courier New" panose="02070309020205020404" pitchFamily="49" charset="0"/>
+              </a:rPr>
+              <a:t>) : info(e), </a:t>
+            </a:r>
+            <a:r>
+              <a:rPr lang="it-IT" sz="1600" b="1" dirty="0" err="1">
+                <a:latin typeface="Courier New" panose="02070309020205020404" pitchFamily="49" charset="0"/>
+                <a:cs typeface="Courier New" panose="02070309020205020404" pitchFamily="49" charset="0"/>
+              </a:rPr>
+              <a:t>next</a:t>
+            </a:r>
+            <a:r>
+              <a:rPr lang="it-IT" sz="1600" b="1" dirty="0">
+                <a:latin typeface="Courier New" panose="02070309020205020404" pitchFamily="49" charset="0"/>
+                <a:cs typeface="Courier New" panose="02070309020205020404" pitchFamily="49" charset="0"/>
+              </a:rPr>
+              <a:t>(</a:t>
+            </a:r>
+            <a:r>
+              <a:rPr lang="it-IT" sz="1600" b="1" dirty="0" err="1">
+                <a:latin typeface="Courier New" panose="02070309020205020404" pitchFamily="49" charset="0"/>
+                <a:cs typeface="Courier New" panose="02070309020205020404" pitchFamily="49" charset="0"/>
+              </a:rPr>
+              <a:t>nullptr</a:t>
+            </a:r>
+            <a:r>
+              <a:rPr lang="it-IT" sz="1600" b="1" dirty="0">
+                <a:latin typeface="Courier New" panose="02070309020205020404" pitchFamily="49" charset="0"/>
+                <a:cs typeface="Courier New" panose="02070309020205020404" pitchFamily="49" charset="0"/>
+              </a:rPr>
+              <a:t>){};</a:t>
+            </a:r>
+          </a:p>
+          <a:p>
+            <a:pPr marL="0" indent="0">
+              <a:buNone/>
+            </a:pPr>
+            <a:r>
+              <a:rPr lang="it-IT" sz="1600" b="1" dirty="0">
+                <a:latin typeface="Courier New" panose="02070309020205020404" pitchFamily="49" charset="0"/>
+                <a:cs typeface="Courier New" panose="02070309020205020404" pitchFamily="49" charset="0"/>
+              </a:rPr>
+              <a:t>   </a:t>
+            </a:r>
+            <a:r>
+              <a:rPr lang="it-IT" sz="1600" b="1" dirty="0">
+                <a:solidFill>
+                  <a:srgbClr val="FF0000"/>
+                </a:solidFill>
+                <a:latin typeface="Courier New" panose="02070309020205020404" pitchFamily="49" charset="0"/>
+                <a:cs typeface="Courier New" panose="02070309020205020404" pitchFamily="49" charset="0"/>
+              </a:rPr>
+              <a:t>E</a:t>
+            </a:r>
+            <a:r>
+              <a:rPr lang="it-IT" sz="1600" b="1" dirty="0">
+                <a:latin typeface="Courier New" panose="02070309020205020404" pitchFamily="49" charset="0"/>
+                <a:cs typeface="Courier New" panose="02070309020205020404" pitchFamily="49" charset="0"/>
+              </a:rPr>
+              <a:t> </a:t>
+            </a:r>
+            <a:r>
+              <a:rPr lang="it-IT" sz="1600" b="1" dirty="0" err="1">
+                <a:latin typeface="Courier New" panose="02070309020205020404" pitchFamily="49" charset="0"/>
+                <a:cs typeface="Courier New" panose="02070309020205020404" pitchFamily="49" charset="0"/>
+              </a:rPr>
+              <a:t>getInfo</a:t>
+            </a:r>
+            <a:r>
+              <a:rPr lang="it-IT" sz="1600" b="1" dirty="0">
+                <a:latin typeface="Courier New" panose="02070309020205020404" pitchFamily="49" charset="0"/>
+                <a:cs typeface="Courier New" panose="02070309020205020404" pitchFamily="49" charset="0"/>
+              </a:rPr>
+              <a:t>() </a:t>
+            </a:r>
+            <a:r>
+              <a:rPr lang="it-IT" sz="1600" b="1" dirty="0" err="1">
+                <a:latin typeface="Courier New" panose="02070309020205020404" pitchFamily="49" charset="0"/>
+                <a:cs typeface="Courier New" panose="02070309020205020404" pitchFamily="49" charset="0"/>
+              </a:rPr>
+              <a:t>const</a:t>
+            </a:r>
+            <a:r>
+              <a:rPr lang="it-IT" sz="1600" b="1" dirty="0">
+                <a:latin typeface="Courier New" panose="02070309020205020404" pitchFamily="49" charset="0"/>
+                <a:cs typeface="Courier New" panose="02070309020205020404" pitchFamily="49" charset="0"/>
+              </a:rPr>
+              <a:t> { </a:t>
+            </a:r>
+            <a:r>
+              <a:rPr lang="it-IT" sz="1600" b="1" dirty="0" err="1">
+                <a:latin typeface="Courier New" panose="02070309020205020404" pitchFamily="49" charset="0"/>
+                <a:cs typeface="Courier New" panose="02070309020205020404" pitchFamily="49" charset="0"/>
+              </a:rPr>
+              <a:t>return</a:t>
+            </a:r>
+            <a:r>
+              <a:rPr lang="it-IT" sz="1600" b="1" dirty="0">
+                <a:latin typeface="Courier New" panose="02070309020205020404" pitchFamily="49" charset="0"/>
+                <a:cs typeface="Courier New" panose="02070309020205020404" pitchFamily="49" charset="0"/>
+              </a:rPr>
+              <a:t> info; };</a:t>
+            </a:r>
+          </a:p>
+          <a:p>
+            <a:pPr marL="0" indent="0">
+              <a:buNone/>
+            </a:pPr>
+            <a:r>
+              <a:rPr lang="it-IT" sz="1600" b="1" dirty="0">
+                <a:latin typeface="Courier New" panose="02070309020205020404" pitchFamily="49" charset="0"/>
+                <a:cs typeface="Courier New" panose="02070309020205020404" pitchFamily="49" charset="0"/>
+              </a:rPr>
+              <a:t>   Nodo * </a:t>
+            </a:r>
+            <a:r>
+              <a:rPr lang="it-IT" sz="1600" b="1" dirty="0" err="1">
+                <a:latin typeface="Courier New" panose="02070309020205020404" pitchFamily="49" charset="0"/>
+                <a:cs typeface="Courier New" panose="02070309020205020404" pitchFamily="49" charset="0"/>
+              </a:rPr>
+              <a:t>getNext</a:t>
+            </a:r>
+            <a:r>
+              <a:rPr lang="it-IT" sz="1600" b="1" dirty="0">
+                <a:latin typeface="Courier New" panose="02070309020205020404" pitchFamily="49" charset="0"/>
+                <a:cs typeface="Courier New" panose="02070309020205020404" pitchFamily="49" charset="0"/>
+              </a:rPr>
+              <a:t>() </a:t>
+            </a:r>
+            <a:r>
+              <a:rPr lang="it-IT" sz="1600" b="1" dirty="0" err="1">
+                <a:latin typeface="Courier New" panose="02070309020205020404" pitchFamily="49" charset="0"/>
+                <a:cs typeface="Courier New" panose="02070309020205020404" pitchFamily="49" charset="0"/>
+              </a:rPr>
+              <a:t>const</a:t>
+            </a:r>
+            <a:r>
+              <a:rPr lang="it-IT" sz="1600" b="1" dirty="0">
+                <a:latin typeface="Courier New" panose="02070309020205020404" pitchFamily="49" charset="0"/>
+                <a:cs typeface="Courier New" panose="02070309020205020404" pitchFamily="49" charset="0"/>
+              </a:rPr>
+              <a:t> { </a:t>
+            </a:r>
+            <a:r>
+              <a:rPr lang="it-IT" sz="1600" b="1" dirty="0" err="1">
+                <a:latin typeface="Courier New" panose="02070309020205020404" pitchFamily="49" charset="0"/>
+                <a:cs typeface="Courier New" panose="02070309020205020404" pitchFamily="49" charset="0"/>
+              </a:rPr>
+              <a:t>return</a:t>
+            </a:r>
+            <a:r>
+              <a:rPr lang="it-IT" sz="1600" b="1" dirty="0">
+                <a:latin typeface="Courier New" panose="02070309020205020404" pitchFamily="49" charset="0"/>
+                <a:cs typeface="Courier New" panose="02070309020205020404" pitchFamily="49" charset="0"/>
+              </a:rPr>
+              <a:t> </a:t>
+            </a:r>
+            <a:r>
+              <a:rPr lang="it-IT" sz="1600" b="1" dirty="0" err="1">
+                <a:latin typeface="Courier New" panose="02070309020205020404" pitchFamily="49" charset="0"/>
+                <a:cs typeface="Courier New" panose="02070309020205020404" pitchFamily="49" charset="0"/>
+              </a:rPr>
+              <a:t>next</a:t>
+            </a:r>
+            <a:r>
+              <a:rPr lang="it-IT" sz="1600" b="1" dirty="0">
+                <a:latin typeface="Courier New" panose="02070309020205020404" pitchFamily="49" charset="0"/>
+                <a:cs typeface="Courier New" panose="02070309020205020404" pitchFamily="49" charset="0"/>
+              </a:rPr>
+              <a:t>; }</a:t>
+            </a:r>
+          </a:p>
+          <a:p>
+            <a:pPr marL="0" indent="0">
+              <a:buNone/>
+            </a:pPr>
+            <a:r>
+              <a:rPr lang="it-IT" sz="1600" b="1" dirty="0">
+                <a:latin typeface="Courier New" panose="02070309020205020404" pitchFamily="49" charset="0"/>
+                <a:cs typeface="Courier New" panose="02070309020205020404" pitchFamily="49" charset="0"/>
+              </a:rPr>
+              <a:t>   friend class Lista&lt;</a:t>
+            </a:r>
+            <a:r>
+              <a:rPr lang="it-IT" sz="1600" b="1" dirty="0">
+                <a:solidFill>
+                  <a:srgbClr val="FF0000"/>
+                </a:solidFill>
+                <a:latin typeface="Courier New" panose="02070309020205020404" pitchFamily="49" charset="0"/>
+                <a:cs typeface="Courier New" panose="02070309020205020404" pitchFamily="49" charset="0"/>
+              </a:rPr>
+              <a:t>E</a:t>
+            </a:r>
+            <a:r>
+              <a:rPr lang="it-IT" sz="1600" b="1" dirty="0">
+                <a:latin typeface="Courier New" panose="02070309020205020404" pitchFamily="49" charset="0"/>
+                <a:cs typeface="Courier New" panose="02070309020205020404" pitchFamily="49" charset="0"/>
+              </a:rPr>
+              <a:t>&gt;;</a:t>
+            </a:r>
+          </a:p>
+          <a:p>
+            <a:pPr marL="0" indent="0">
+              <a:buNone/>
+            </a:pPr>
+            <a:r>
+              <a:rPr lang="it-IT" sz="1600" b="1" dirty="0">
+                <a:latin typeface="Courier New" panose="02070309020205020404" pitchFamily="49" charset="0"/>
+                <a:cs typeface="Courier New" panose="02070309020205020404" pitchFamily="49" charset="0"/>
+              </a:rPr>
+              <a:t>};</a:t>
+            </a:r>
+          </a:p>
+        </p:txBody>
+      </p:sp>
+      <p:sp>
+        <p:nvSpPr>
+          <p:cNvPr id="4" name="Segnaposto contenuto 3">
+            <a:extLst>
+              <a:ext uri="{FF2B5EF4-FFF2-40B4-BE49-F238E27FC236}">
+                <a16:creationId xmlns:a16="http://schemas.microsoft.com/office/drawing/2014/main" id="{26C9648A-137D-4C6F-BB3A-C1D43B26BF33}"/>
+              </a:ext>
+            </a:extLst>
+          </p:cNvPr>
+          <p:cNvSpPr>
+            <a:spLocks noGrp="1"/>
+          </p:cNvSpPr>
+          <p:nvPr>
+            <p:ph sz="half" idx="2"/>
+          </p:nvPr>
+        </p:nvSpPr>
+        <p:spPr/>
+        <p:txBody>
+          <a:bodyPr/>
+          <a:lstStyle/>
+          <a:p>
+            <a:r>
+              <a:rPr lang="it-IT" sz="1800" b="1" dirty="0">
+                <a:latin typeface="Courier New" panose="02070309020205020404" pitchFamily="49" charset="0"/>
+                <a:cs typeface="Courier New" panose="02070309020205020404" pitchFamily="49" charset="0"/>
+              </a:rPr>
+              <a:t>template &lt;</a:t>
+            </a:r>
+            <a:r>
+              <a:rPr lang="it-IT" sz="1800" b="1" dirty="0" err="1">
+                <a:latin typeface="Courier New" panose="02070309020205020404" pitchFamily="49" charset="0"/>
+                <a:cs typeface="Courier New" panose="02070309020205020404" pitchFamily="49" charset="0"/>
+              </a:rPr>
+              <a:t>typename</a:t>
+            </a:r>
+            <a:r>
+              <a:rPr lang="it-IT" sz="1800" b="1" dirty="0">
+                <a:latin typeface="Courier New" panose="02070309020205020404" pitchFamily="49" charset="0"/>
+                <a:cs typeface="Courier New" panose="02070309020205020404" pitchFamily="49" charset="0"/>
+              </a:rPr>
+              <a:t> E&gt; class Lista;  </a:t>
+            </a:r>
+          </a:p>
+          <a:p>
+            <a:pPr lvl="1"/>
+            <a:r>
+              <a:rPr lang="it-IT" sz="2000" i="1" dirty="0"/>
+              <a:t>necessario per dichiarare Lista&lt;E&gt; come classe friend</a:t>
+            </a:r>
+          </a:p>
+          <a:p>
+            <a:r>
+              <a:rPr lang="it-IT" sz="2400" dirty="0"/>
+              <a:t>l’informazione associata al nodo è di tipo generico E</a:t>
+            </a:r>
+            <a:endParaRPr lang="it-IT" sz="2000" i="1" dirty="0"/>
+          </a:p>
+        </p:txBody>
+      </p:sp>
+      <p:sp>
+        <p:nvSpPr>
+          <p:cNvPr id="5" name="Segnaposto piè di pagina 4">
+            <a:extLst>
+              <a:ext uri="{FF2B5EF4-FFF2-40B4-BE49-F238E27FC236}">
+                <a16:creationId xmlns:a16="http://schemas.microsoft.com/office/drawing/2014/main" id="{0BA7732B-9808-4B70-AB97-D2AC0EC7BAB4}"/>
+              </a:ext>
+            </a:extLst>
+          </p:cNvPr>
+          <p:cNvSpPr>
+            <a:spLocks noGrp="1"/>
+          </p:cNvSpPr>
+          <p:nvPr>
+            <p:ph type="ftr" sz="quarter" idx="11"/>
+          </p:nvPr>
+        </p:nvSpPr>
+        <p:spPr/>
+        <p:txBody>
+          <a:bodyPr/>
+          <a:lstStyle/>
+          <a:p>
+            <a:pPr>
+              <a:defRPr/>
+            </a:pPr>
+            <a:r>
+              <a:rPr lang="it-IT" dirty="0"/>
+              <a:t>Alberto Ferrari – Programmazione di applicazioni SW</a:t>
+            </a:r>
+          </a:p>
+        </p:txBody>
+      </p:sp>
+    </p:spTree>
+    <p:extLst>
+      <p:ext uri="{BB962C8B-B14F-4D97-AF65-F5344CB8AC3E}">
+        <p14:creationId xmlns:p14="http://schemas.microsoft.com/office/powerpoint/2010/main" val="409903294"/>
+      </p:ext>
+    </p:extLst>
+  </p:cSld>
+  <p:clrMapOvr>
+    <a:masterClrMapping/>
+  </p:clrMapOvr>
+</p:sld>
+</file>
+
+<file path=ppt/slides/slide14.xml><?xml version="1.0" encoding="utf-8"?>
+<p:sld xmlns:a="http://schemas.openxmlformats.org/drawingml/2006/main" xmlns:r="http://schemas.openxmlformats.org/officeDocument/2006/relationships" xmlns:p="http://schemas.openxmlformats.org/presentationml/2006/main">
+  <p:cSld>
+    <p:spTree>
+      <p:nvGrpSpPr>
+        <p:cNvPr id="1" name=""/>
+        <p:cNvGrpSpPr/>
+        <p:nvPr/>
+      </p:nvGrpSpPr>
+      <p:grpSpPr>
+        <a:xfrm>
+          <a:off x="0" y="0"/>
+          <a:ext cx="0" cy="0"/>
+          <a:chOff x="0" y="0"/>
+          <a:chExt cx="0" cy="0"/>
+        </a:xfrm>
+      </p:grpSpPr>
+      <p:sp>
+        <p:nvSpPr>
+          <p:cNvPr id="6" name="Titolo 5">
+            <a:extLst>
+              <a:ext uri="{FF2B5EF4-FFF2-40B4-BE49-F238E27FC236}">
+                <a16:creationId xmlns:a16="http://schemas.microsoft.com/office/drawing/2014/main" id="{D37046B0-F805-45EE-A5EE-817DB3F614F0}"/>
+              </a:ext>
+            </a:extLst>
+          </p:cNvPr>
+          <p:cNvSpPr>
+            <a:spLocks noGrp="1"/>
+          </p:cNvSpPr>
+          <p:nvPr>
+            <p:ph type="title"/>
+          </p:nvPr>
+        </p:nvSpPr>
+        <p:spPr/>
+        <p:txBody>
+          <a:bodyPr/>
+          <a:lstStyle/>
+          <a:p>
+            <a:r>
+              <a:rPr lang="it-IT" dirty="0"/>
+              <a:t>Lista generica (</a:t>
+            </a:r>
+            <a:r>
+              <a:rPr lang="it-IT" dirty="0" err="1"/>
+              <a:t>Lista.h</a:t>
+            </a:r>
+            <a:r>
+              <a:rPr lang="it-IT" dirty="0"/>
+              <a:t>)</a:t>
+            </a:r>
+          </a:p>
+        </p:txBody>
+      </p:sp>
+      <p:sp>
+        <p:nvSpPr>
+          <p:cNvPr id="7" name="Segnaposto contenuto 6">
+            <a:extLst>
+              <a:ext uri="{FF2B5EF4-FFF2-40B4-BE49-F238E27FC236}">
+                <a16:creationId xmlns:a16="http://schemas.microsoft.com/office/drawing/2014/main" id="{BC91EFF1-70D1-45D3-B5B2-2A40827A2FBB}"/>
+              </a:ext>
+            </a:extLst>
+          </p:cNvPr>
+          <p:cNvSpPr>
+            <a:spLocks noGrp="1"/>
+          </p:cNvSpPr>
+          <p:nvPr>
+            <p:ph idx="1"/>
+          </p:nvPr>
+        </p:nvSpPr>
+        <p:spPr/>
+        <p:txBody>
+          <a:bodyPr/>
+          <a:lstStyle/>
+          <a:p>
+            <a:pPr marL="0" indent="0">
+              <a:buNone/>
+            </a:pPr>
+            <a:r>
+              <a:rPr lang="it-IT" sz="1600" b="1" dirty="0">
+                <a:solidFill>
+                  <a:srgbClr val="FF0000"/>
+                </a:solidFill>
+                <a:latin typeface="Courier New" panose="02070309020205020404" pitchFamily="49" charset="0"/>
+                <a:cs typeface="Courier New" panose="02070309020205020404" pitchFamily="49" charset="0"/>
+              </a:rPr>
+              <a:t>template &lt;</a:t>
+            </a:r>
+            <a:r>
+              <a:rPr lang="it-IT" sz="1600" b="1" dirty="0" err="1">
+                <a:solidFill>
+                  <a:srgbClr val="FF0000"/>
+                </a:solidFill>
+                <a:latin typeface="Courier New" panose="02070309020205020404" pitchFamily="49" charset="0"/>
+                <a:cs typeface="Courier New" panose="02070309020205020404" pitchFamily="49" charset="0"/>
+              </a:rPr>
+              <a:t>typename</a:t>
+            </a:r>
+            <a:r>
+              <a:rPr lang="it-IT" sz="1600" b="1" dirty="0">
+                <a:solidFill>
+                  <a:srgbClr val="FF0000"/>
+                </a:solidFill>
+                <a:latin typeface="Courier New" panose="02070309020205020404" pitchFamily="49" charset="0"/>
+                <a:cs typeface="Courier New" panose="02070309020205020404" pitchFamily="49" charset="0"/>
+              </a:rPr>
+              <a:t> E&gt; </a:t>
+            </a:r>
+            <a:r>
+              <a:rPr lang="it-IT" sz="1600" b="1" dirty="0" err="1">
+                <a:latin typeface="Courier New" panose="02070309020205020404" pitchFamily="49" charset="0"/>
+                <a:cs typeface="Courier New" panose="02070309020205020404" pitchFamily="49" charset="0"/>
+              </a:rPr>
+              <a:t>std</a:t>
+            </a:r>
+            <a:r>
+              <a:rPr lang="it-IT" sz="1600" b="1" dirty="0">
+                <a:latin typeface="Courier New" panose="02070309020205020404" pitchFamily="49" charset="0"/>
+                <a:cs typeface="Courier New" panose="02070309020205020404" pitchFamily="49" charset="0"/>
+              </a:rPr>
+              <a:t>::</a:t>
+            </a:r>
+            <a:r>
+              <a:rPr lang="it-IT" sz="1600" b="1" dirty="0" err="1">
+                <a:latin typeface="Courier New" panose="02070309020205020404" pitchFamily="49" charset="0"/>
+                <a:cs typeface="Courier New" panose="02070309020205020404" pitchFamily="49" charset="0"/>
+              </a:rPr>
+              <a:t>ostream</a:t>
+            </a:r>
+            <a:r>
+              <a:rPr lang="it-IT" sz="1600" b="1" dirty="0">
+                <a:latin typeface="Courier New" panose="02070309020205020404" pitchFamily="49" charset="0"/>
+                <a:cs typeface="Courier New" panose="02070309020205020404" pitchFamily="49" charset="0"/>
+              </a:rPr>
+              <a:t> &amp; operator&lt;&lt;(</a:t>
+            </a:r>
+            <a:r>
+              <a:rPr lang="it-IT" sz="1600" b="1" dirty="0" err="1">
+                <a:latin typeface="Courier New" panose="02070309020205020404" pitchFamily="49" charset="0"/>
+                <a:cs typeface="Courier New" panose="02070309020205020404" pitchFamily="49" charset="0"/>
+              </a:rPr>
+              <a:t>std</a:t>
+            </a:r>
+            <a:r>
+              <a:rPr lang="it-IT" sz="1600" b="1" dirty="0">
+                <a:latin typeface="Courier New" panose="02070309020205020404" pitchFamily="49" charset="0"/>
+                <a:cs typeface="Courier New" panose="02070309020205020404" pitchFamily="49" charset="0"/>
+              </a:rPr>
+              <a:t>::</a:t>
+            </a:r>
+            <a:r>
+              <a:rPr lang="it-IT" sz="1600" b="1" dirty="0" err="1">
+                <a:latin typeface="Courier New" panose="02070309020205020404" pitchFamily="49" charset="0"/>
+                <a:cs typeface="Courier New" panose="02070309020205020404" pitchFamily="49" charset="0"/>
+              </a:rPr>
+              <a:t>ostream</a:t>
+            </a:r>
+            <a:r>
+              <a:rPr lang="it-IT" sz="1600" b="1" dirty="0">
+                <a:latin typeface="Courier New" panose="02070309020205020404" pitchFamily="49" charset="0"/>
+                <a:cs typeface="Courier New" panose="02070309020205020404" pitchFamily="49" charset="0"/>
+              </a:rPr>
+              <a:t> &amp; </a:t>
+            </a:r>
+            <a:r>
+              <a:rPr lang="it-IT" sz="1600" b="1" dirty="0" err="1">
+                <a:latin typeface="Courier New" panose="02070309020205020404" pitchFamily="49" charset="0"/>
+                <a:cs typeface="Courier New" panose="02070309020205020404" pitchFamily="49" charset="0"/>
+              </a:rPr>
+              <a:t>os,const</a:t>
+            </a:r>
+            <a:r>
+              <a:rPr lang="it-IT" sz="1600" b="1" dirty="0">
+                <a:latin typeface="Courier New" panose="02070309020205020404" pitchFamily="49" charset="0"/>
+                <a:cs typeface="Courier New" panose="02070309020205020404" pitchFamily="49" charset="0"/>
+              </a:rPr>
+              <a:t> </a:t>
+            </a:r>
+            <a:r>
+              <a:rPr lang="it-IT" sz="1600" b="1" dirty="0">
+                <a:solidFill>
+                  <a:srgbClr val="FF0000"/>
+                </a:solidFill>
+                <a:latin typeface="Courier New" panose="02070309020205020404" pitchFamily="49" charset="0"/>
+                <a:cs typeface="Courier New" panose="02070309020205020404" pitchFamily="49" charset="0"/>
+              </a:rPr>
+              <a:t>Lista&lt;E&gt; </a:t>
+            </a:r>
+            <a:r>
+              <a:rPr lang="it-IT" sz="1600" b="1" dirty="0">
+                <a:latin typeface="Courier New" panose="02070309020205020404" pitchFamily="49" charset="0"/>
+                <a:cs typeface="Courier New" panose="02070309020205020404" pitchFamily="49" charset="0"/>
+              </a:rPr>
+              <a:t>&amp; </a:t>
+            </a:r>
+            <a:r>
+              <a:rPr lang="it-IT" sz="1600" b="1" dirty="0" err="1">
+                <a:latin typeface="Courier New" panose="02070309020205020404" pitchFamily="49" charset="0"/>
+                <a:cs typeface="Courier New" panose="02070309020205020404" pitchFamily="49" charset="0"/>
+              </a:rPr>
+              <a:t>lst</a:t>
+            </a:r>
+            <a:r>
+              <a:rPr lang="it-IT" sz="1600" b="1" dirty="0">
+                <a:latin typeface="Courier New" panose="02070309020205020404" pitchFamily="49" charset="0"/>
+                <a:cs typeface="Courier New" panose="02070309020205020404" pitchFamily="49" charset="0"/>
+              </a:rPr>
+              <a:t>);</a:t>
+            </a:r>
+          </a:p>
+          <a:p>
+            <a:pPr marL="0" indent="0">
+              <a:buNone/>
+            </a:pPr>
+            <a:r>
+              <a:rPr lang="it-IT" sz="1600" b="1" dirty="0">
+                <a:solidFill>
+                  <a:srgbClr val="FF0000"/>
+                </a:solidFill>
+                <a:latin typeface="Courier New" panose="02070309020205020404" pitchFamily="49" charset="0"/>
+                <a:cs typeface="Courier New" panose="02070309020205020404" pitchFamily="49" charset="0"/>
+              </a:rPr>
+              <a:t>template &lt;</a:t>
+            </a:r>
+            <a:r>
+              <a:rPr lang="it-IT" sz="1600" b="1" dirty="0" err="1">
+                <a:solidFill>
+                  <a:srgbClr val="FF0000"/>
+                </a:solidFill>
+                <a:latin typeface="Courier New" panose="02070309020205020404" pitchFamily="49" charset="0"/>
+                <a:cs typeface="Courier New" panose="02070309020205020404" pitchFamily="49" charset="0"/>
+              </a:rPr>
+              <a:t>typename</a:t>
+            </a:r>
+            <a:r>
+              <a:rPr lang="it-IT" sz="1600" b="1" dirty="0">
+                <a:solidFill>
+                  <a:srgbClr val="FF0000"/>
+                </a:solidFill>
+                <a:latin typeface="Courier New" panose="02070309020205020404" pitchFamily="49" charset="0"/>
+                <a:cs typeface="Courier New" panose="02070309020205020404" pitchFamily="49" charset="0"/>
+              </a:rPr>
+              <a:t> E&gt;</a:t>
+            </a:r>
+          </a:p>
+          <a:p>
+            <a:pPr marL="0" indent="0">
+              <a:buNone/>
+            </a:pPr>
+            <a:r>
+              <a:rPr lang="it-IT" sz="1600" b="1" dirty="0">
+                <a:latin typeface="Courier New" panose="02070309020205020404" pitchFamily="49" charset="0"/>
+                <a:cs typeface="Courier New" panose="02070309020205020404" pitchFamily="49" charset="0"/>
+              </a:rPr>
+              <a:t>class Lista {</a:t>
+            </a:r>
+          </a:p>
+          <a:p>
+            <a:pPr marL="0" indent="0">
+              <a:buNone/>
+            </a:pPr>
+            <a:r>
+              <a:rPr lang="it-IT" sz="1600" b="1" dirty="0">
+                <a:latin typeface="Courier New" panose="02070309020205020404" pitchFamily="49" charset="0"/>
+                <a:cs typeface="Courier New" panose="02070309020205020404" pitchFamily="49" charset="0"/>
+              </a:rPr>
+              <a:t>private:</a:t>
+            </a:r>
+          </a:p>
+          <a:p>
+            <a:pPr marL="0" indent="0">
+              <a:buNone/>
+            </a:pPr>
+            <a:r>
+              <a:rPr lang="it-IT" sz="1600" b="1" dirty="0">
+                <a:latin typeface="Courier New" panose="02070309020205020404" pitchFamily="49" charset="0"/>
+                <a:cs typeface="Courier New" panose="02070309020205020404" pitchFamily="49" charset="0"/>
+              </a:rPr>
+              <a:t>   </a:t>
+            </a:r>
+            <a:r>
+              <a:rPr lang="it-IT" sz="1600" b="1" dirty="0">
+                <a:solidFill>
+                  <a:srgbClr val="FF0000"/>
+                </a:solidFill>
+                <a:latin typeface="Courier New" panose="02070309020205020404" pitchFamily="49" charset="0"/>
+                <a:cs typeface="Courier New" panose="02070309020205020404" pitchFamily="49" charset="0"/>
+              </a:rPr>
+              <a:t>Nodo&lt;E&gt; </a:t>
+            </a:r>
+            <a:r>
+              <a:rPr lang="it-IT" sz="1600" b="1" dirty="0">
+                <a:latin typeface="Courier New" panose="02070309020205020404" pitchFamily="49" charset="0"/>
+                <a:cs typeface="Courier New" panose="02070309020205020404" pitchFamily="49" charset="0"/>
+              </a:rPr>
+              <a:t>* testa;</a:t>
+            </a:r>
+          </a:p>
+          <a:p>
+            <a:pPr marL="0" indent="0">
+              <a:buNone/>
+            </a:pPr>
+            <a:r>
+              <a:rPr lang="it-IT" sz="1600" b="1" dirty="0">
+                <a:latin typeface="Courier New" panose="02070309020205020404" pitchFamily="49" charset="0"/>
+                <a:cs typeface="Courier New" panose="02070309020205020404" pitchFamily="49" charset="0"/>
+              </a:rPr>
+              <a:t>public:</a:t>
+            </a:r>
+          </a:p>
+          <a:p>
+            <a:pPr marL="0" indent="0">
+              <a:buNone/>
+            </a:pPr>
+            <a:r>
+              <a:rPr lang="it-IT" sz="1600" b="1" dirty="0">
+                <a:latin typeface="Courier New" panose="02070309020205020404" pitchFamily="49" charset="0"/>
+                <a:cs typeface="Courier New" panose="02070309020205020404" pitchFamily="49" charset="0"/>
+              </a:rPr>
+              <a:t>   Lista(); ~Lista();</a:t>
+            </a:r>
+          </a:p>
+          <a:p>
+            <a:pPr marL="0" indent="0">
+              <a:buNone/>
+            </a:pPr>
+            <a:r>
+              <a:rPr lang="it-IT" sz="1600" b="1" dirty="0">
+                <a:latin typeface="Courier New" panose="02070309020205020404" pitchFamily="49" charset="0"/>
+                <a:cs typeface="Courier New" panose="02070309020205020404" pitchFamily="49" charset="0"/>
+              </a:rPr>
+              <a:t>   </a:t>
+            </a:r>
+            <a:r>
+              <a:rPr lang="it-IT" sz="1600" b="1" dirty="0" err="1">
+                <a:latin typeface="Courier New" panose="02070309020205020404" pitchFamily="49" charset="0"/>
+                <a:cs typeface="Courier New" panose="02070309020205020404" pitchFamily="49" charset="0"/>
+              </a:rPr>
+              <a:t>void</a:t>
+            </a:r>
+            <a:r>
+              <a:rPr lang="it-IT" sz="1600" b="1" dirty="0">
+                <a:latin typeface="Courier New" panose="02070309020205020404" pitchFamily="49" charset="0"/>
+                <a:cs typeface="Courier New" panose="02070309020205020404" pitchFamily="49" charset="0"/>
+              </a:rPr>
+              <a:t> </a:t>
+            </a:r>
+            <a:r>
+              <a:rPr lang="it-IT" sz="1600" b="1" dirty="0" err="1">
+                <a:latin typeface="Courier New" panose="02070309020205020404" pitchFamily="49" charset="0"/>
+                <a:cs typeface="Courier New" panose="02070309020205020404" pitchFamily="49" charset="0"/>
+              </a:rPr>
+              <a:t>insTesta</a:t>
+            </a:r>
+            <a:r>
+              <a:rPr lang="it-IT" sz="1600" b="1" dirty="0">
+                <a:latin typeface="Courier New" panose="02070309020205020404" pitchFamily="49" charset="0"/>
+                <a:cs typeface="Courier New" panose="02070309020205020404" pitchFamily="49" charset="0"/>
+              </a:rPr>
+              <a:t>(</a:t>
+            </a:r>
+            <a:r>
+              <a:rPr lang="it-IT" sz="1600" b="1" dirty="0" err="1">
+                <a:latin typeface="Courier New" panose="02070309020205020404" pitchFamily="49" charset="0"/>
+                <a:cs typeface="Courier New" panose="02070309020205020404" pitchFamily="49" charset="0"/>
+              </a:rPr>
+              <a:t>const</a:t>
+            </a:r>
+            <a:r>
+              <a:rPr lang="it-IT" sz="1600" b="1" dirty="0">
+                <a:latin typeface="Courier New" panose="02070309020205020404" pitchFamily="49" charset="0"/>
+                <a:cs typeface="Courier New" panose="02070309020205020404" pitchFamily="49" charset="0"/>
+              </a:rPr>
+              <a:t> </a:t>
+            </a:r>
+            <a:r>
+              <a:rPr lang="it-IT" sz="1600" b="1" dirty="0">
+                <a:solidFill>
+                  <a:srgbClr val="FF0000"/>
+                </a:solidFill>
+                <a:latin typeface="Courier New" panose="02070309020205020404" pitchFamily="49" charset="0"/>
+                <a:cs typeface="Courier New" panose="02070309020205020404" pitchFamily="49" charset="0"/>
+              </a:rPr>
+              <a:t>E</a:t>
+            </a:r>
+            <a:r>
+              <a:rPr lang="it-IT" sz="1600" b="1" dirty="0">
+                <a:latin typeface="Courier New" panose="02070309020205020404" pitchFamily="49" charset="0"/>
+                <a:cs typeface="Courier New" panose="02070309020205020404" pitchFamily="49" charset="0"/>
+              </a:rPr>
+              <a:t> &amp;</a:t>
+            </a:r>
+            <a:r>
+              <a:rPr lang="it-IT" sz="1600" b="1" dirty="0" err="1">
+                <a:latin typeface="Courier New" panose="02070309020205020404" pitchFamily="49" charset="0"/>
+                <a:cs typeface="Courier New" panose="02070309020205020404" pitchFamily="49" charset="0"/>
+              </a:rPr>
+              <a:t>value</a:t>
+            </a:r>
+            <a:r>
+              <a:rPr lang="it-IT" sz="1600" b="1" dirty="0">
+                <a:latin typeface="Courier New" panose="02070309020205020404" pitchFamily="49" charset="0"/>
+                <a:cs typeface="Courier New" panose="02070309020205020404" pitchFamily="49" charset="0"/>
+              </a:rPr>
+              <a:t>);</a:t>
+            </a:r>
+          </a:p>
+          <a:p>
+            <a:pPr marL="0" indent="0">
+              <a:buNone/>
+            </a:pPr>
+            <a:r>
+              <a:rPr lang="it-IT" sz="1600" b="1" dirty="0">
+                <a:latin typeface="Courier New" panose="02070309020205020404" pitchFamily="49" charset="0"/>
+                <a:cs typeface="Courier New" panose="02070309020205020404" pitchFamily="49" charset="0"/>
+              </a:rPr>
+              <a:t>   </a:t>
+            </a:r>
+            <a:r>
+              <a:rPr lang="it-IT" sz="1600" b="1" dirty="0" err="1">
+                <a:latin typeface="Courier New" panose="02070309020205020404" pitchFamily="49" charset="0"/>
+                <a:cs typeface="Courier New" panose="02070309020205020404" pitchFamily="49" charset="0"/>
+              </a:rPr>
+              <a:t>void</a:t>
+            </a:r>
+            <a:r>
+              <a:rPr lang="it-IT" sz="1600" b="1" dirty="0">
+                <a:latin typeface="Courier New" panose="02070309020205020404" pitchFamily="49" charset="0"/>
+                <a:cs typeface="Courier New" panose="02070309020205020404" pitchFamily="49" charset="0"/>
+              </a:rPr>
+              <a:t> </a:t>
+            </a:r>
+            <a:r>
+              <a:rPr lang="it-IT" sz="1600" b="1" dirty="0" err="1">
+                <a:latin typeface="Courier New" panose="02070309020205020404" pitchFamily="49" charset="0"/>
+                <a:cs typeface="Courier New" panose="02070309020205020404" pitchFamily="49" charset="0"/>
+              </a:rPr>
+              <a:t>insCoda</a:t>
+            </a:r>
+            <a:r>
+              <a:rPr lang="it-IT" sz="1600" b="1" dirty="0">
+                <a:latin typeface="Courier New" panose="02070309020205020404" pitchFamily="49" charset="0"/>
+                <a:cs typeface="Courier New" panose="02070309020205020404" pitchFamily="49" charset="0"/>
+              </a:rPr>
+              <a:t>(</a:t>
+            </a:r>
+            <a:r>
+              <a:rPr lang="it-IT" sz="1600" b="1" dirty="0" err="1">
+                <a:latin typeface="Courier New" panose="02070309020205020404" pitchFamily="49" charset="0"/>
+                <a:cs typeface="Courier New" panose="02070309020205020404" pitchFamily="49" charset="0"/>
+              </a:rPr>
+              <a:t>const</a:t>
+            </a:r>
+            <a:r>
+              <a:rPr lang="it-IT" sz="1600" b="1" dirty="0">
+                <a:latin typeface="Courier New" panose="02070309020205020404" pitchFamily="49" charset="0"/>
+                <a:cs typeface="Courier New" panose="02070309020205020404" pitchFamily="49" charset="0"/>
+              </a:rPr>
+              <a:t> </a:t>
+            </a:r>
+            <a:r>
+              <a:rPr lang="it-IT" sz="1600" b="1" dirty="0">
+                <a:solidFill>
+                  <a:srgbClr val="FF0000"/>
+                </a:solidFill>
+                <a:latin typeface="Courier New" panose="02070309020205020404" pitchFamily="49" charset="0"/>
+                <a:cs typeface="Courier New" panose="02070309020205020404" pitchFamily="49" charset="0"/>
+              </a:rPr>
+              <a:t>E</a:t>
+            </a:r>
+            <a:r>
+              <a:rPr lang="it-IT" sz="1600" b="1" dirty="0">
+                <a:latin typeface="Courier New" panose="02070309020205020404" pitchFamily="49" charset="0"/>
+                <a:cs typeface="Courier New" panose="02070309020205020404" pitchFamily="49" charset="0"/>
+              </a:rPr>
+              <a:t> &amp;</a:t>
+            </a:r>
+            <a:r>
+              <a:rPr lang="it-IT" sz="1600" b="1" dirty="0" err="1">
+                <a:latin typeface="Courier New" panose="02070309020205020404" pitchFamily="49" charset="0"/>
+                <a:cs typeface="Courier New" panose="02070309020205020404" pitchFamily="49" charset="0"/>
+              </a:rPr>
+              <a:t>value</a:t>
+            </a:r>
+            <a:r>
+              <a:rPr lang="it-IT" sz="1600" b="1" dirty="0">
+                <a:latin typeface="Courier New" panose="02070309020205020404" pitchFamily="49" charset="0"/>
+                <a:cs typeface="Courier New" panose="02070309020205020404" pitchFamily="49" charset="0"/>
+              </a:rPr>
+              <a:t>);</a:t>
+            </a:r>
+          </a:p>
+          <a:p>
+            <a:pPr marL="0" indent="0">
+              <a:buNone/>
+            </a:pPr>
+            <a:r>
+              <a:rPr lang="it-IT" sz="1600" b="1" dirty="0">
+                <a:latin typeface="Courier New" panose="02070309020205020404" pitchFamily="49" charset="0"/>
+                <a:cs typeface="Courier New" panose="02070309020205020404" pitchFamily="49" charset="0"/>
+              </a:rPr>
+              <a:t>   </a:t>
+            </a:r>
+            <a:r>
+              <a:rPr lang="it-IT" sz="1600" b="1" dirty="0" err="1">
+                <a:latin typeface="Courier New" panose="02070309020205020404" pitchFamily="49" charset="0"/>
+                <a:cs typeface="Courier New" panose="02070309020205020404" pitchFamily="49" charset="0"/>
+              </a:rPr>
+              <a:t>bool</a:t>
+            </a:r>
+            <a:r>
+              <a:rPr lang="it-IT" sz="1600" b="1" dirty="0">
+                <a:latin typeface="Courier New" panose="02070309020205020404" pitchFamily="49" charset="0"/>
+                <a:cs typeface="Courier New" panose="02070309020205020404" pitchFamily="49" charset="0"/>
+              </a:rPr>
+              <a:t> </a:t>
+            </a:r>
+            <a:r>
+              <a:rPr lang="it-IT" sz="1600" b="1" dirty="0" err="1">
+                <a:latin typeface="Courier New" panose="02070309020205020404" pitchFamily="49" charset="0"/>
+                <a:cs typeface="Courier New" panose="02070309020205020404" pitchFamily="49" charset="0"/>
+              </a:rPr>
+              <a:t>elimTesta</a:t>
+            </a:r>
+            <a:r>
+              <a:rPr lang="it-IT" sz="1600" b="1" dirty="0">
+                <a:latin typeface="Courier New" panose="02070309020205020404" pitchFamily="49" charset="0"/>
+                <a:cs typeface="Courier New" panose="02070309020205020404" pitchFamily="49" charset="0"/>
+              </a:rPr>
+              <a:t>(</a:t>
+            </a:r>
+            <a:r>
+              <a:rPr lang="it-IT" sz="1600" b="1" dirty="0">
+                <a:solidFill>
+                  <a:srgbClr val="FF0000"/>
+                </a:solidFill>
+                <a:latin typeface="Courier New" panose="02070309020205020404" pitchFamily="49" charset="0"/>
+                <a:cs typeface="Courier New" panose="02070309020205020404" pitchFamily="49" charset="0"/>
+              </a:rPr>
+              <a:t>E</a:t>
+            </a:r>
+            <a:r>
+              <a:rPr lang="it-IT" sz="1600" b="1" dirty="0">
+                <a:latin typeface="Courier New" panose="02070309020205020404" pitchFamily="49" charset="0"/>
+                <a:cs typeface="Courier New" panose="02070309020205020404" pitchFamily="49" charset="0"/>
+              </a:rPr>
+              <a:t> &amp;</a:t>
+            </a:r>
+            <a:r>
+              <a:rPr lang="it-IT" sz="1600" b="1" dirty="0" err="1">
+                <a:latin typeface="Courier New" panose="02070309020205020404" pitchFamily="49" charset="0"/>
+                <a:cs typeface="Courier New" panose="02070309020205020404" pitchFamily="49" charset="0"/>
+              </a:rPr>
+              <a:t>value</a:t>
+            </a:r>
+            <a:r>
+              <a:rPr lang="it-IT" sz="1600" b="1" dirty="0">
+                <a:latin typeface="Courier New" panose="02070309020205020404" pitchFamily="49" charset="0"/>
+                <a:cs typeface="Courier New" panose="02070309020205020404" pitchFamily="49" charset="0"/>
+              </a:rPr>
+              <a:t>);</a:t>
+            </a:r>
+          </a:p>
+          <a:p>
+            <a:pPr marL="0" indent="0">
+              <a:buNone/>
+            </a:pPr>
+            <a:r>
+              <a:rPr lang="it-IT" sz="1600" b="1" dirty="0">
+                <a:latin typeface="Courier New" panose="02070309020205020404" pitchFamily="49" charset="0"/>
+                <a:cs typeface="Courier New" panose="02070309020205020404" pitchFamily="49" charset="0"/>
+              </a:rPr>
+              <a:t>   </a:t>
+            </a:r>
+            <a:r>
+              <a:rPr lang="it-IT" sz="1600" b="1" dirty="0" err="1">
+                <a:latin typeface="Courier New" panose="02070309020205020404" pitchFamily="49" charset="0"/>
+                <a:cs typeface="Courier New" panose="02070309020205020404" pitchFamily="49" charset="0"/>
+              </a:rPr>
+              <a:t>bool</a:t>
+            </a:r>
+            <a:r>
+              <a:rPr lang="it-IT" sz="1600" b="1" dirty="0">
+                <a:latin typeface="Courier New" panose="02070309020205020404" pitchFamily="49" charset="0"/>
+                <a:cs typeface="Courier New" panose="02070309020205020404" pitchFamily="49" charset="0"/>
+              </a:rPr>
+              <a:t> </a:t>
+            </a:r>
+            <a:r>
+              <a:rPr lang="it-IT" sz="1600" b="1" dirty="0" err="1">
+                <a:latin typeface="Courier New" panose="02070309020205020404" pitchFamily="49" charset="0"/>
+                <a:cs typeface="Courier New" panose="02070309020205020404" pitchFamily="49" charset="0"/>
+              </a:rPr>
+              <a:t>elimCoda</a:t>
+            </a:r>
+            <a:r>
+              <a:rPr lang="it-IT" sz="1600" b="1" dirty="0">
+                <a:latin typeface="Courier New" panose="02070309020205020404" pitchFamily="49" charset="0"/>
+                <a:cs typeface="Courier New" panose="02070309020205020404" pitchFamily="49" charset="0"/>
+              </a:rPr>
+              <a:t>(</a:t>
+            </a:r>
+            <a:r>
+              <a:rPr lang="it-IT" sz="1600" b="1" dirty="0">
+                <a:solidFill>
+                  <a:srgbClr val="FF0000"/>
+                </a:solidFill>
+                <a:latin typeface="Courier New" panose="02070309020205020404" pitchFamily="49" charset="0"/>
+                <a:cs typeface="Courier New" panose="02070309020205020404" pitchFamily="49" charset="0"/>
+              </a:rPr>
+              <a:t>E</a:t>
+            </a:r>
+            <a:r>
+              <a:rPr lang="it-IT" sz="1600" b="1" dirty="0">
+                <a:latin typeface="Courier New" panose="02070309020205020404" pitchFamily="49" charset="0"/>
+                <a:cs typeface="Courier New" panose="02070309020205020404" pitchFamily="49" charset="0"/>
+              </a:rPr>
+              <a:t> &amp; </a:t>
+            </a:r>
+            <a:r>
+              <a:rPr lang="it-IT" sz="1600" b="1" dirty="0" err="1">
+                <a:latin typeface="Courier New" panose="02070309020205020404" pitchFamily="49" charset="0"/>
+                <a:cs typeface="Courier New" panose="02070309020205020404" pitchFamily="49" charset="0"/>
+              </a:rPr>
+              <a:t>value</a:t>
+            </a:r>
+            <a:r>
+              <a:rPr lang="it-IT" sz="1600" b="1" dirty="0">
+                <a:latin typeface="Courier New" panose="02070309020205020404" pitchFamily="49" charset="0"/>
+                <a:cs typeface="Courier New" panose="02070309020205020404" pitchFamily="49" charset="0"/>
+              </a:rPr>
+              <a:t>);</a:t>
+            </a:r>
+          </a:p>
+          <a:p>
+            <a:pPr marL="0" indent="0">
+              <a:buNone/>
+            </a:pPr>
+            <a:r>
+              <a:rPr lang="it-IT" sz="1600" b="1" dirty="0">
+                <a:latin typeface="Courier New" panose="02070309020205020404" pitchFamily="49" charset="0"/>
+                <a:cs typeface="Courier New" panose="02070309020205020404" pitchFamily="49" charset="0"/>
+              </a:rPr>
+              <a:t>   </a:t>
+            </a:r>
+            <a:r>
+              <a:rPr lang="it-IT" sz="1600" b="1" dirty="0" err="1">
+                <a:latin typeface="Courier New" panose="02070309020205020404" pitchFamily="49" charset="0"/>
+                <a:cs typeface="Courier New" panose="02070309020205020404" pitchFamily="49" charset="0"/>
+              </a:rPr>
+              <a:t>bool</a:t>
+            </a:r>
+            <a:r>
+              <a:rPr lang="it-IT" sz="1600" b="1" dirty="0">
+                <a:latin typeface="Courier New" panose="02070309020205020404" pitchFamily="49" charset="0"/>
+                <a:cs typeface="Courier New" panose="02070309020205020404" pitchFamily="49" charset="0"/>
+              </a:rPr>
+              <a:t> vuota() </a:t>
+            </a:r>
+            <a:r>
+              <a:rPr lang="it-IT" sz="1600" b="1" dirty="0" err="1">
+                <a:latin typeface="Courier New" panose="02070309020205020404" pitchFamily="49" charset="0"/>
+                <a:cs typeface="Courier New" panose="02070309020205020404" pitchFamily="49" charset="0"/>
+              </a:rPr>
+              <a:t>const</a:t>
+            </a:r>
+            <a:r>
+              <a:rPr lang="it-IT" sz="1600" b="1" dirty="0">
+                <a:latin typeface="Courier New" panose="02070309020205020404" pitchFamily="49" charset="0"/>
+                <a:cs typeface="Courier New" panose="02070309020205020404" pitchFamily="49" charset="0"/>
+              </a:rPr>
+              <a:t>;</a:t>
+            </a:r>
+          </a:p>
+          <a:p>
+            <a:pPr marL="0" indent="0">
+              <a:buNone/>
+            </a:pPr>
+            <a:r>
+              <a:rPr lang="it-IT" sz="1600" b="1" dirty="0">
+                <a:latin typeface="Courier New" panose="02070309020205020404" pitchFamily="49" charset="0"/>
+                <a:cs typeface="Courier New" panose="02070309020205020404" pitchFamily="49" charset="0"/>
+              </a:rPr>
+              <a:t>   </a:t>
+            </a:r>
+            <a:r>
+              <a:rPr lang="it-IT" sz="1600" b="1" dirty="0">
+                <a:solidFill>
+                  <a:srgbClr val="FF0000"/>
+                </a:solidFill>
+                <a:latin typeface="Courier New" panose="02070309020205020404" pitchFamily="49" charset="0"/>
+                <a:cs typeface="Courier New" panose="02070309020205020404" pitchFamily="49" charset="0"/>
+              </a:rPr>
+              <a:t>Lista&lt;E&gt;* </a:t>
+            </a:r>
+            <a:r>
+              <a:rPr lang="it-IT" sz="1600" b="1" dirty="0">
+                <a:latin typeface="Courier New" panose="02070309020205020404" pitchFamily="49" charset="0"/>
+                <a:cs typeface="Courier New" panose="02070309020205020404" pitchFamily="49" charset="0"/>
+              </a:rPr>
+              <a:t>operator+(</a:t>
+            </a:r>
+            <a:r>
+              <a:rPr lang="it-IT" sz="1600" b="1" dirty="0">
+                <a:solidFill>
+                  <a:srgbClr val="FF0000"/>
+                </a:solidFill>
+                <a:latin typeface="Courier New" panose="02070309020205020404" pitchFamily="49" charset="0"/>
+                <a:cs typeface="Courier New" panose="02070309020205020404" pitchFamily="49" charset="0"/>
+              </a:rPr>
+              <a:t>Lista&lt;E&gt;</a:t>
+            </a:r>
+            <a:r>
+              <a:rPr lang="it-IT" sz="1600" b="1" dirty="0">
+                <a:latin typeface="Courier New" panose="02070309020205020404" pitchFamily="49" charset="0"/>
+                <a:cs typeface="Courier New" panose="02070309020205020404" pitchFamily="49" charset="0"/>
+              </a:rPr>
+              <a:t> </a:t>
+            </a:r>
+            <a:r>
+              <a:rPr lang="it-IT" sz="1600" b="1" dirty="0" err="1">
+                <a:latin typeface="Courier New" panose="02070309020205020404" pitchFamily="49" charset="0"/>
+                <a:cs typeface="Courier New" panose="02070309020205020404" pitchFamily="49" charset="0"/>
+              </a:rPr>
+              <a:t>altraLista</a:t>
+            </a:r>
+            <a:r>
+              <a:rPr lang="it-IT" sz="1600" b="1" dirty="0">
+                <a:latin typeface="Courier New" panose="02070309020205020404" pitchFamily="49" charset="0"/>
+                <a:cs typeface="Courier New" panose="02070309020205020404" pitchFamily="49" charset="0"/>
+              </a:rPr>
+              <a:t>);</a:t>
+            </a:r>
+          </a:p>
+          <a:p>
+            <a:pPr marL="0" indent="0">
+              <a:buNone/>
+            </a:pPr>
+            <a:r>
+              <a:rPr lang="it-IT" sz="1600" b="1" dirty="0">
+                <a:latin typeface="Courier New" panose="02070309020205020404" pitchFamily="49" charset="0"/>
+                <a:cs typeface="Courier New" panose="02070309020205020404" pitchFamily="49" charset="0"/>
+              </a:rPr>
+              <a:t>   friend </a:t>
+            </a:r>
+            <a:r>
+              <a:rPr lang="it-IT" sz="1600" b="1" dirty="0" err="1">
+                <a:latin typeface="Courier New" panose="02070309020205020404" pitchFamily="49" charset="0"/>
+                <a:cs typeface="Courier New" panose="02070309020205020404" pitchFamily="49" charset="0"/>
+              </a:rPr>
+              <a:t>std</a:t>
+            </a:r>
+            <a:r>
+              <a:rPr lang="it-IT" sz="1600" b="1" dirty="0">
+                <a:latin typeface="Courier New" panose="02070309020205020404" pitchFamily="49" charset="0"/>
+                <a:cs typeface="Courier New" panose="02070309020205020404" pitchFamily="49" charset="0"/>
+              </a:rPr>
+              <a:t>::</a:t>
+            </a:r>
+            <a:r>
+              <a:rPr lang="it-IT" sz="1600" b="1" dirty="0" err="1">
+                <a:latin typeface="Courier New" panose="02070309020205020404" pitchFamily="49" charset="0"/>
+                <a:cs typeface="Courier New" panose="02070309020205020404" pitchFamily="49" charset="0"/>
+              </a:rPr>
+              <a:t>ostream</a:t>
+            </a:r>
+            <a:r>
+              <a:rPr lang="it-IT" sz="1600" b="1" dirty="0">
+                <a:latin typeface="Courier New" panose="02070309020205020404" pitchFamily="49" charset="0"/>
+                <a:cs typeface="Courier New" panose="02070309020205020404" pitchFamily="49" charset="0"/>
+              </a:rPr>
+              <a:t> &amp; operator&lt;&lt; </a:t>
+            </a:r>
+            <a:r>
+              <a:rPr lang="it-IT" sz="1600" b="1" dirty="0">
+                <a:solidFill>
+                  <a:srgbClr val="FF0000"/>
+                </a:solidFill>
+                <a:latin typeface="Courier New" panose="02070309020205020404" pitchFamily="49" charset="0"/>
+                <a:cs typeface="Courier New" panose="02070309020205020404" pitchFamily="49" charset="0"/>
+              </a:rPr>
+              <a:t>&lt;&gt;</a:t>
+            </a:r>
+            <a:r>
+              <a:rPr lang="it-IT" sz="1600" b="1" dirty="0">
+                <a:latin typeface="Courier New" panose="02070309020205020404" pitchFamily="49" charset="0"/>
+                <a:cs typeface="Courier New" panose="02070309020205020404" pitchFamily="49" charset="0"/>
+              </a:rPr>
+              <a:t>(</a:t>
+            </a:r>
+            <a:r>
+              <a:rPr lang="it-IT" sz="1600" b="1" dirty="0" err="1">
+                <a:latin typeface="Courier New" panose="02070309020205020404" pitchFamily="49" charset="0"/>
+                <a:cs typeface="Courier New" panose="02070309020205020404" pitchFamily="49" charset="0"/>
+              </a:rPr>
+              <a:t>std</a:t>
+            </a:r>
+            <a:r>
+              <a:rPr lang="it-IT" sz="1600" b="1" dirty="0">
+                <a:latin typeface="Courier New" panose="02070309020205020404" pitchFamily="49" charset="0"/>
+                <a:cs typeface="Courier New" panose="02070309020205020404" pitchFamily="49" charset="0"/>
+              </a:rPr>
+              <a:t>::</a:t>
+            </a:r>
+            <a:r>
+              <a:rPr lang="it-IT" sz="1600" b="1" dirty="0" err="1">
+                <a:latin typeface="Courier New" panose="02070309020205020404" pitchFamily="49" charset="0"/>
+                <a:cs typeface="Courier New" panose="02070309020205020404" pitchFamily="49" charset="0"/>
+              </a:rPr>
+              <a:t>ostream</a:t>
+            </a:r>
+            <a:r>
+              <a:rPr lang="it-IT" sz="1600" b="1" dirty="0">
+                <a:latin typeface="Courier New" panose="02070309020205020404" pitchFamily="49" charset="0"/>
+                <a:cs typeface="Courier New" panose="02070309020205020404" pitchFamily="49" charset="0"/>
+              </a:rPr>
+              <a:t> &amp; </a:t>
+            </a:r>
+            <a:r>
+              <a:rPr lang="it-IT" sz="1600" b="1" dirty="0" err="1">
+                <a:latin typeface="Courier New" panose="02070309020205020404" pitchFamily="49" charset="0"/>
+                <a:cs typeface="Courier New" panose="02070309020205020404" pitchFamily="49" charset="0"/>
+              </a:rPr>
+              <a:t>os</a:t>
+            </a:r>
+            <a:r>
+              <a:rPr lang="it-IT" sz="1600" b="1" dirty="0">
+                <a:latin typeface="Courier New" panose="02070309020205020404" pitchFamily="49" charset="0"/>
+                <a:cs typeface="Courier New" panose="02070309020205020404" pitchFamily="49" charset="0"/>
+              </a:rPr>
+              <a:t>, </a:t>
+            </a:r>
+            <a:r>
+              <a:rPr lang="it-IT" sz="1600" b="1" dirty="0" err="1">
+                <a:latin typeface="Courier New" panose="02070309020205020404" pitchFamily="49" charset="0"/>
+                <a:cs typeface="Courier New" panose="02070309020205020404" pitchFamily="49" charset="0"/>
+              </a:rPr>
+              <a:t>const</a:t>
+            </a:r>
+            <a:r>
+              <a:rPr lang="it-IT" sz="1600" b="1" dirty="0">
+                <a:latin typeface="Courier New" panose="02070309020205020404" pitchFamily="49" charset="0"/>
+                <a:cs typeface="Courier New" panose="02070309020205020404" pitchFamily="49" charset="0"/>
+              </a:rPr>
+              <a:t> </a:t>
+            </a:r>
+            <a:r>
+              <a:rPr lang="it-IT" sz="1600" b="1" dirty="0">
+                <a:solidFill>
+                  <a:srgbClr val="FF0000"/>
+                </a:solidFill>
+                <a:latin typeface="Courier New" panose="02070309020205020404" pitchFamily="49" charset="0"/>
+                <a:cs typeface="Courier New" panose="02070309020205020404" pitchFamily="49" charset="0"/>
+              </a:rPr>
+              <a:t>Lista&lt;E&gt;</a:t>
+            </a:r>
+            <a:r>
+              <a:rPr lang="it-IT" sz="1600" b="1" dirty="0">
+                <a:latin typeface="Courier New" panose="02070309020205020404" pitchFamily="49" charset="0"/>
+                <a:cs typeface="Courier New" panose="02070309020205020404" pitchFamily="49" charset="0"/>
+              </a:rPr>
+              <a:t> &amp; </a:t>
+            </a:r>
+            <a:r>
+              <a:rPr lang="it-IT" sz="1600" b="1" dirty="0" err="1">
+                <a:latin typeface="Courier New" panose="02070309020205020404" pitchFamily="49" charset="0"/>
+                <a:cs typeface="Courier New" panose="02070309020205020404" pitchFamily="49" charset="0"/>
+              </a:rPr>
+              <a:t>lst</a:t>
+            </a:r>
+            <a:r>
+              <a:rPr lang="it-IT" sz="1600" b="1" dirty="0">
+                <a:latin typeface="Courier New" panose="02070309020205020404" pitchFamily="49" charset="0"/>
+                <a:cs typeface="Courier New" panose="02070309020205020404" pitchFamily="49" charset="0"/>
+              </a:rPr>
+              <a:t>);</a:t>
+            </a:r>
+          </a:p>
+          <a:p>
+            <a:pPr marL="0" indent="0">
+              <a:buNone/>
+            </a:pPr>
+            <a:r>
+              <a:rPr lang="it-IT" sz="1600" b="1" dirty="0">
+                <a:latin typeface="Courier New" panose="02070309020205020404" pitchFamily="49" charset="0"/>
+                <a:cs typeface="Courier New" panose="02070309020205020404" pitchFamily="49" charset="0"/>
+              </a:rPr>
+              <a:t>};</a:t>
+            </a:r>
+          </a:p>
+        </p:txBody>
+      </p:sp>
+      <p:sp>
+        <p:nvSpPr>
+          <p:cNvPr id="5" name="Segnaposto piè di pagina 4">
+            <a:extLst>
+              <a:ext uri="{FF2B5EF4-FFF2-40B4-BE49-F238E27FC236}">
+                <a16:creationId xmlns:a16="http://schemas.microsoft.com/office/drawing/2014/main" id="{19088E93-F2DA-4ADC-897B-AFA1A9689368}"/>
+              </a:ext>
+            </a:extLst>
+          </p:cNvPr>
+          <p:cNvSpPr>
+            <a:spLocks noGrp="1"/>
+          </p:cNvSpPr>
+          <p:nvPr>
+            <p:ph type="ftr" sz="quarter" idx="11"/>
+          </p:nvPr>
+        </p:nvSpPr>
+        <p:spPr/>
+        <p:txBody>
+          <a:bodyPr/>
+          <a:lstStyle/>
+          <a:p>
+            <a:pPr>
+              <a:defRPr/>
+            </a:pPr>
+            <a:r>
+              <a:rPr lang="it-IT"/>
+              <a:t>Alberto Ferrari – Programmazione di applicazioni SW</a:t>
+            </a:r>
+            <a:endParaRPr lang="it-IT" dirty="0"/>
+          </a:p>
+        </p:txBody>
+      </p:sp>
+    </p:spTree>
+    <p:extLst>
+      <p:ext uri="{BB962C8B-B14F-4D97-AF65-F5344CB8AC3E}">
+        <p14:creationId xmlns:p14="http://schemas.microsoft.com/office/powerpoint/2010/main" val="1734288977"/>
+      </p:ext>
+    </p:extLst>
+  </p:cSld>
+  <p:clrMapOvr>
+    <a:masterClrMapping/>
+  </p:clrMapOvr>
+</p:sld>
+</file>
+
+<file path=ppt/slides/slide15.xml><?xml version="1.0" encoding="utf-8"?>
+<p:sld xmlns:a="http://schemas.openxmlformats.org/drawingml/2006/main" xmlns:r="http://schemas.openxmlformats.org/officeDocument/2006/relationships" xmlns:p="http://schemas.openxmlformats.org/presentationml/2006/main">
+  <p:cSld>
+    <p:spTree>
+      <p:nvGrpSpPr>
+        <p:cNvPr id="1" name=""/>
+        <p:cNvGrpSpPr/>
+        <p:nvPr/>
+      </p:nvGrpSpPr>
+      <p:grpSpPr>
+        <a:xfrm>
+          <a:off x="0" y="0"/>
+          <a:ext cx="0" cy="0"/>
+          <a:chOff x="0" y="0"/>
+          <a:chExt cx="0" cy="0"/>
+        </a:xfrm>
+      </p:grpSpPr>
+      <p:sp>
+        <p:nvSpPr>
+          <p:cNvPr id="5" name="Titolo 4">
+            <a:extLst>
+              <a:ext uri="{FF2B5EF4-FFF2-40B4-BE49-F238E27FC236}">
+                <a16:creationId xmlns:a16="http://schemas.microsoft.com/office/drawing/2014/main" id="{3F9D6414-3B6F-4460-BC96-02B1FABF65E3}"/>
+              </a:ext>
+            </a:extLst>
+          </p:cNvPr>
+          <p:cNvSpPr>
+            <a:spLocks noGrp="1"/>
+          </p:cNvSpPr>
+          <p:nvPr>
+            <p:ph type="title"/>
+          </p:nvPr>
+        </p:nvSpPr>
+        <p:spPr/>
+        <p:txBody>
+          <a:bodyPr/>
+          <a:lstStyle/>
+          <a:p>
+            <a:r>
+              <a:rPr lang="it-IT" dirty="0"/>
+              <a:t>Lista generica </a:t>
+            </a:r>
+            <a:br>
+              <a:rPr lang="it-IT" dirty="0"/>
+            </a:br>
+            <a:r>
+              <a:rPr lang="it-IT" dirty="0"/>
+              <a:t>(implementazione e utilizzo)</a:t>
+            </a:r>
+          </a:p>
+        </p:txBody>
+      </p:sp>
+      <p:sp>
+        <p:nvSpPr>
+          <p:cNvPr id="6" name="Segnaposto contenuto 5">
+            <a:extLst>
+              <a:ext uri="{FF2B5EF4-FFF2-40B4-BE49-F238E27FC236}">
+                <a16:creationId xmlns:a16="http://schemas.microsoft.com/office/drawing/2014/main" id="{CF51D2CA-BCFB-4298-AFA7-E7887F0D9AE2}"/>
+              </a:ext>
+            </a:extLst>
+          </p:cNvPr>
+          <p:cNvSpPr>
+            <a:spLocks noGrp="1"/>
+          </p:cNvSpPr>
+          <p:nvPr>
+            <p:ph sz="half" idx="1"/>
+          </p:nvPr>
+        </p:nvSpPr>
+        <p:spPr/>
+        <p:txBody>
+          <a:bodyPr/>
+          <a:lstStyle/>
+          <a:p>
+            <a:pPr marL="0" indent="0">
+              <a:buNone/>
+            </a:pPr>
+            <a:r>
+              <a:rPr lang="it-IT" sz="1600" b="1" dirty="0">
+                <a:latin typeface="Courier New" panose="02070309020205020404" pitchFamily="49" charset="0"/>
+                <a:cs typeface="Courier New" panose="02070309020205020404" pitchFamily="49" charset="0"/>
+              </a:rPr>
+              <a:t>template &lt;</a:t>
+            </a:r>
+            <a:r>
+              <a:rPr lang="it-IT" sz="1600" b="1" dirty="0" err="1">
+                <a:latin typeface="Courier New" panose="02070309020205020404" pitchFamily="49" charset="0"/>
+                <a:cs typeface="Courier New" panose="02070309020205020404" pitchFamily="49" charset="0"/>
+              </a:rPr>
+              <a:t>typename</a:t>
+            </a:r>
+            <a:r>
+              <a:rPr lang="it-IT" sz="1600" b="1" dirty="0">
+                <a:latin typeface="Courier New" panose="02070309020205020404" pitchFamily="49" charset="0"/>
+                <a:cs typeface="Courier New" panose="02070309020205020404" pitchFamily="49" charset="0"/>
+              </a:rPr>
+              <a:t> E&gt;</a:t>
+            </a:r>
+          </a:p>
+          <a:p>
+            <a:pPr marL="0" indent="0">
+              <a:buNone/>
+            </a:pPr>
+            <a:r>
+              <a:rPr lang="it-IT" sz="1600" b="1" dirty="0">
+                <a:solidFill>
+                  <a:srgbClr val="FF0000"/>
+                </a:solidFill>
+                <a:latin typeface="Courier New" panose="02070309020205020404" pitchFamily="49" charset="0"/>
+                <a:cs typeface="Courier New" panose="02070309020205020404" pitchFamily="49" charset="0"/>
+              </a:rPr>
+              <a:t>Lista&lt;E&gt;::Lista() </a:t>
+            </a:r>
+            <a:r>
+              <a:rPr lang="it-IT" sz="1600" b="1" dirty="0">
+                <a:latin typeface="Courier New" panose="02070309020205020404" pitchFamily="49" charset="0"/>
+                <a:cs typeface="Courier New" panose="02070309020205020404" pitchFamily="49" charset="0"/>
+              </a:rPr>
+              <a:t>: testa(</a:t>
+            </a:r>
+            <a:r>
+              <a:rPr lang="it-IT" sz="1600" b="1" dirty="0" err="1">
+                <a:latin typeface="Courier New" panose="02070309020205020404" pitchFamily="49" charset="0"/>
+                <a:cs typeface="Courier New" panose="02070309020205020404" pitchFamily="49" charset="0"/>
+              </a:rPr>
+              <a:t>nullptr</a:t>
+            </a:r>
+            <a:r>
+              <a:rPr lang="it-IT" sz="1600" b="1" dirty="0">
+                <a:latin typeface="Courier New" panose="02070309020205020404" pitchFamily="49" charset="0"/>
+                <a:cs typeface="Courier New" panose="02070309020205020404" pitchFamily="49" charset="0"/>
+              </a:rPr>
+              <a:t>) { }</a:t>
+            </a:r>
+          </a:p>
+          <a:p>
+            <a:pPr marL="0" indent="0">
+              <a:buNone/>
+            </a:pPr>
+            <a:endParaRPr lang="it-IT" sz="1600" b="1" dirty="0">
+              <a:latin typeface="Courier New" panose="02070309020205020404" pitchFamily="49" charset="0"/>
+              <a:cs typeface="Courier New" panose="02070309020205020404" pitchFamily="49" charset="0"/>
+            </a:endParaRPr>
+          </a:p>
+          <a:p>
+            <a:pPr marL="0" indent="0">
+              <a:buNone/>
+            </a:pPr>
+            <a:r>
+              <a:rPr lang="it-IT" sz="1600" b="1" dirty="0">
+                <a:latin typeface="Courier New" panose="02070309020205020404" pitchFamily="49" charset="0"/>
+                <a:cs typeface="Courier New" panose="02070309020205020404" pitchFamily="49" charset="0"/>
+              </a:rPr>
+              <a:t>template &lt;</a:t>
+            </a:r>
+            <a:r>
+              <a:rPr lang="it-IT" sz="1600" b="1" dirty="0" err="1">
+                <a:latin typeface="Courier New" panose="02070309020205020404" pitchFamily="49" charset="0"/>
+                <a:cs typeface="Courier New" panose="02070309020205020404" pitchFamily="49" charset="0"/>
+              </a:rPr>
+              <a:t>typename</a:t>
+            </a:r>
+            <a:r>
+              <a:rPr lang="it-IT" sz="1600" b="1" dirty="0">
+                <a:latin typeface="Courier New" panose="02070309020205020404" pitchFamily="49" charset="0"/>
+                <a:cs typeface="Courier New" panose="02070309020205020404" pitchFamily="49" charset="0"/>
+              </a:rPr>
+              <a:t> E&gt;</a:t>
+            </a:r>
+          </a:p>
+          <a:p>
+            <a:pPr marL="0" indent="0">
+              <a:buNone/>
+            </a:pPr>
+            <a:r>
+              <a:rPr lang="it-IT" sz="1600" b="1" dirty="0">
+                <a:solidFill>
+                  <a:srgbClr val="FF0000"/>
+                </a:solidFill>
+                <a:latin typeface="Courier New" panose="02070309020205020404" pitchFamily="49" charset="0"/>
+                <a:cs typeface="Courier New" panose="02070309020205020404" pitchFamily="49" charset="0"/>
+              </a:rPr>
+              <a:t>Lista&lt;E&gt;::~Lista() </a:t>
+            </a:r>
+            <a:r>
+              <a:rPr lang="it-IT" sz="1600" b="1" dirty="0">
+                <a:latin typeface="Courier New" panose="02070309020205020404" pitchFamily="49" charset="0"/>
+                <a:cs typeface="Courier New" panose="02070309020205020404" pitchFamily="49" charset="0"/>
+              </a:rPr>
+              <a:t>{</a:t>
+            </a:r>
+          </a:p>
+          <a:p>
+            <a:pPr marL="0" indent="0">
+              <a:buNone/>
+            </a:pPr>
+            <a:r>
+              <a:rPr lang="it-IT" sz="1600" b="1" dirty="0">
+                <a:latin typeface="Courier New" panose="02070309020205020404" pitchFamily="49" charset="0"/>
+                <a:cs typeface="Courier New" panose="02070309020205020404" pitchFamily="49" charset="0"/>
+              </a:rPr>
+              <a:t>   </a:t>
+            </a:r>
+            <a:r>
+              <a:rPr lang="it-IT" sz="1600" b="1" dirty="0" err="1">
+                <a:latin typeface="Courier New" panose="02070309020205020404" pitchFamily="49" charset="0"/>
+                <a:cs typeface="Courier New" panose="02070309020205020404" pitchFamily="49" charset="0"/>
+              </a:rPr>
+              <a:t>while</a:t>
+            </a:r>
+            <a:r>
+              <a:rPr lang="it-IT" sz="1600" b="1" dirty="0">
+                <a:latin typeface="Courier New" panose="02070309020205020404" pitchFamily="49" charset="0"/>
+                <a:cs typeface="Courier New" panose="02070309020205020404" pitchFamily="49" charset="0"/>
+              </a:rPr>
+              <a:t> (testa) {</a:t>
+            </a:r>
+          </a:p>
+          <a:p>
+            <a:pPr marL="0" indent="0">
+              <a:buNone/>
+            </a:pPr>
+            <a:r>
+              <a:rPr lang="it-IT" sz="1600" b="1" dirty="0">
+                <a:latin typeface="Courier New" panose="02070309020205020404" pitchFamily="49" charset="0"/>
+                <a:cs typeface="Courier New" panose="02070309020205020404" pitchFamily="49" charset="0"/>
+              </a:rPr>
+              <a:t>      </a:t>
+            </a:r>
+            <a:r>
+              <a:rPr lang="it-IT" sz="1600" b="1" dirty="0">
+                <a:solidFill>
+                  <a:srgbClr val="FF0000"/>
+                </a:solidFill>
+                <a:latin typeface="Courier New" panose="02070309020205020404" pitchFamily="49" charset="0"/>
+                <a:cs typeface="Courier New" panose="02070309020205020404" pitchFamily="49" charset="0"/>
+              </a:rPr>
+              <a:t>Nodo&lt;E&gt; </a:t>
+            </a:r>
+            <a:r>
+              <a:rPr lang="it-IT" sz="1600" b="1" dirty="0">
+                <a:latin typeface="Courier New" panose="02070309020205020404" pitchFamily="49" charset="0"/>
+                <a:cs typeface="Courier New" panose="02070309020205020404" pitchFamily="49" charset="0"/>
+              </a:rPr>
+              <a:t>* </a:t>
+            </a:r>
+            <a:r>
+              <a:rPr lang="it-IT" sz="1600" b="1" dirty="0" err="1">
+                <a:latin typeface="Courier New" panose="02070309020205020404" pitchFamily="49" charset="0"/>
+                <a:cs typeface="Courier New" panose="02070309020205020404" pitchFamily="49" charset="0"/>
+              </a:rPr>
+              <a:t>temp</a:t>
+            </a:r>
+            <a:r>
+              <a:rPr lang="it-IT" sz="1600" b="1" dirty="0">
+                <a:latin typeface="Courier New" panose="02070309020205020404" pitchFamily="49" charset="0"/>
+                <a:cs typeface="Courier New" panose="02070309020205020404" pitchFamily="49" charset="0"/>
+              </a:rPr>
+              <a:t> = testa;</a:t>
+            </a:r>
+          </a:p>
+          <a:p>
+            <a:pPr marL="0" indent="0">
+              <a:buNone/>
+            </a:pPr>
+            <a:r>
+              <a:rPr lang="it-IT" sz="1600" b="1" dirty="0">
+                <a:latin typeface="Courier New" panose="02070309020205020404" pitchFamily="49" charset="0"/>
+                <a:cs typeface="Courier New" panose="02070309020205020404" pitchFamily="49" charset="0"/>
+              </a:rPr>
+              <a:t>      testa = testa-&gt;</a:t>
+            </a:r>
+            <a:r>
+              <a:rPr lang="it-IT" sz="1600" b="1" dirty="0" err="1">
+                <a:latin typeface="Courier New" panose="02070309020205020404" pitchFamily="49" charset="0"/>
+                <a:cs typeface="Courier New" panose="02070309020205020404" pitchFamily="49" charset="0"/>
+              </a:rPr>
+              <a:t>next</a:t>
+            </a:r>
+            <a:r>
+              <a:rPr lang="it-IT" sz="1600" b="1" dirty="0">
+                <a:latin typeface="Courier New" panose="02070309020205020404" pitchFamily="49" charset="0"/>
+                <a:cs typeface="Courier New" panose="02070309020205020404" pitchFamily="49" charset="0"/>
+              </a:rPr>
+              <a:t>;</a:t>
+            </a:r>
+          </a:p>
+          <a:p>
+            <a:pPr marL="0" indent="0">
+              <a:buNone/>
+            </a:pPr>
+            <a:r>
+              <a:rPr lang="it-IT" sz="1600" b="1" dirty="0">
+                <a:latin typeface="Courier New" panose="02070309020205020404" pitchFamily="49" charset="0"/>
+                <a:cs typeface="Courier New" panose="02070309020205020404" pitchFamily="49" charset="0"/>
+              </a:rPr>
+              <a:t>      delete </a:t>
+            </a:r>
+            <a:r>
+              <a:rPr lang="it-IT" sz="1600" b="1" dirty="0" err="1">
+                <a:latin typeface="Courier New" panose="02070309020205020404" pitchFamily="49" charset="0"/>
+                <a:cs typeface="Courier New" panose="02070309020205020404" pitchFamily="49" charset="0"/>
+              </a:rPr>
+              <a:t>temp</a:t>
+            </a:r>
+            <a:r>
+              <a:rPr lang="it-IT" sz="1600" b="1" dirty="0">
+                <a:latin typeface="Courier New" panose="02070309020205020404" pitchFamily="49" charset="0"/>
+                <a:cs typeface="Courier New" panose="02070309020205020404" pitchFamily="49" charset="0"/>
+              </a:rPr>
+              <a:t>;</a:t>
+            </a:r>
+          </a:p>
+          <a:p>
+            <a:pPr marL="0" indent="0">
+              <a:buNone/>
+            </a:pPr>
+            <a:r>
+              <a:rPr lang="it-IT" sz="1600" b="1" dirty="0">
+                <a:latin typeface="Courier New" panose="02070309020205020404" pitchFamily="49" charset="0"/>
+                <a:cs typeface="Courier New" panose="02070309020205020404" pitchFamily="49" charset="0"/>
+              </a:rPr>
+              <a:t>   }</a:t>
+            </a:r>
+          </a:p>
+          <a:p>
+            <a:pPr marL="0" indent="0">
+              <a:buNone/>
+            </a:pPr>
+            <a:r>
+              <a:rPr lang="it-IT" sz="1600" b="1" dirty="0">
+                <a:latin typeface="Courier New" panose="02070309020205020404" pitchFamily="49" charset="0"/>
+                <a:cs typeface="Courier New" panose="02070309020205020404" pitchFamily="49" charset="0"/>
+              </a:rPr>
+              <a:t>}</a:t>
+            </a:r>
+          </a:p>
+          <a:p>
+            <a:pPr marL="0" indent="0">
+              <a:buNone/>
+            </a:pPr>
+            <a:endParaRPr lang="it-IT" sz="1600" b="1" dirty="0">
+              <a:latin typeface="Courier New" panose="02070309020205020404" pitchFamily="49" charset="0"/>
+              <a:cs typeface="Courier New" panose="02070309020205020404" pitchFamily="49" charset="0"/>
+            </a:endParaRPr>
+          </a:p>
+          <a:p>
+            <a:pPr marL="0" indent="0">
+              <a:buNone/>
+            </a:pPr>
+            <a:r>
+              <a:rPr lang="it-IT" sz="1600" b="1" dirty="0">
+                <a:latin typeface="Courier New" panose="02070309020205020404" pitchFamily="49" charset="0"/>
+                <a:cs typeface="Courier New" panose="02070309020205020404" pitchFamily="49" charset="0"/>
+              </a:rPr>
+              <a:t>. . .</a:t>
+            </a:r>
+          </a:p>
+        </p:txBody>
+      </p:sp>
+      <p:sp>
+        <p:nvSpPr>
+          <p:cNvPr id="7" name="Segnaposto contenuto 6">
+            <a:extLst>
+              <a:ext uri="{FF2B5EF4-FFF2-40B4-BE49-F238E27FC236}">
+                <a16:creationId xmlns:a16="http://schemas.microsoft.com/office/drawing/2014/main" id="{1B5D0538-5284-4B01-9EA5-07E4FDF4CBB7}"/>
+              </a:ext>
+            </a:extLst>
+          </p:cNvPr>
+          <p:cNvSpPr>
+            <a:spLocks noGrp="1"/>
+          </p:cNvSpPr>
+          <p:nvPr>
+            <p:ph sz="half" idx="2"/>
+          </p:nvPr>
+        </p:nvSpPr>
+        <p:spPr/>
+        <p:txBody>
+          <a:bodyPr/>
+          <a:lstStyle/>
+          <a:p>
+            <a:pPr marL="0" indent="0">
+              <a:buNone/>
+            </a:pPr>
+            <a:r>
+              <a:rPr lang="it-IT" sz="1600" b="1" dirty="0">
+                <a:latin typeface="Courier New" panose="02070309020205020404" pitchFamily="49" charset="0"/>
+                <a:cs typeface="Courier New" panose="02070309020205020404" pitchFamily="49" charset="0"/>
+              </a:rPr>
+              <a:t>template &lt;</a:t>
+            </a:r>
+            <a:r>
+              <a:rPr lang="it-IT" sz="1600" b="1" dirty="0" err="1">
+                <a:latin typeface="Courier New" panose="02070309020205020404" pitchFamily="49" charset="0"/>
+                <a:cs typeface="Courier New" panose="02070309020205020404" pitchFamily="49" charset="0"/>
+              </a:rPr>
+              <a:t>typename</a:t>
+            </a:r>
+            <a:r>
+              <a:rPr lang="it-IT" sz="1600" b="1" dirty="0">
+                <a:latin typeface="Courier New" panose="02070309020205020404" pitchFamily="49" charset="0"/>
+                <a:cs typeface="Courier New" panose="02070309020205020404" pitchFamily="49" charset="0"/>
+              </a:rPr>
+              <a:t> E&gt;</a:t>
+            </a:r>
+          </a:p>
+          <a:p>
+            <a:pPr marL="0" indent="0">
+              <a:buNone/>
+            </a:pPr>
+            <a:r>
+              <a:rPr lang="it-IT" sz="1600" b="1" dirty="0" err="1">
+                <a:latin typeface="Courier New" panose="02070309020205020404" pitchFamily="49" charset="0"/>
+                <a:cs typeface="Courier New" panose="02070309020205020404" pitchFamily="49" charset="0"/>
+              </a:rPr>
+              <a:t>void</a:t>
+            </a:r>
+            <a:r>
+              <a:rPr lang="it-IT" sz="1600" b="1" dirty="0">
+                <a:latin typeface="Courier New" panose="02070309020205020404" pitchFamily="49" charset="0"/>
+                <a:cs typeface="Courier New" panose="02070309020205020404" pitchFamily="49" charset="0"/>
+              </a:rPr>
+              <a:t> Lista&lt;E&gt;::</a:t>
+            </a:r>
+            <a:r>
+              <a:rPr lang="it-IT" sz="1600" b="1" dirty="0" err="1">
+                <a:solidFill>
+                  <a:srgbClr val="FF0000"/>
+                </a:solidFill>
+                <a:latin typeface="Courier New" panose="02070309020205020404" pitchFamily="49" charset="0"/>
+                <a:cs typeface="Courier New" panose="02070309020205020404" pitchFamily="49" charset="0"/>
+              </a:rPr>
+              <a:t>insTesta</a:t>
+            </a:r>
+            <a:r>
+              <a:rPr lang="it-IT" sz="1600" b="1" dirty="0">
+                <a:latin typeface="Courier New" panose="02070309020205020404" pitchFamily="49" charset="0"/>
+                <a:cs typeface="Courier New" panose="02070309020205020404" pitchFamily="49" charset="0"/>
+              </a:rPr>
+              <a:t>(</a:t>
+            </a:r>
+            <a:r>
+              <a:rPr lang="it-IT" sz="1600" b="1" dirty="0" err="1">
+                <a:latin typeface="Courier New" panose="02070309020205020404" pitchFamily="49" charset="0"/>
+                <a:cs typeface="Courier New" panose="02070309020205020404" pitchFamily="49" charset="0"/>
+              </a:rPr>
+              <a:t>const</a:t>
+            </a:r>
+            <a:r>
+              <a:rPr lang="it-IT" sz="1600" b="1" dirty="0">
+                <a:latin typeface="Courier New" panose="02070309020205020404" pitchFamily="49" charset="0"/>
+                <a:cs typeface="Courier New" panose="02070309020205020404" pitchFamily="49" charset="0"/>
+              </a:rPr>
+              <a:t> </a:t>
+            </a:r>
+            <a:r>
+              <a:rPr lang="it-IT" sz="1600" b="1" dirty="0">
+                <a:solidFill>
+                  <a:srgbClr val="FF0000"/>
+                </a:solidFill>
+                <a:latin typeface="Courier New" panose="02070309020205020404" pitchFamily="49" charset="0"/>
+                <a:cs typeface="Courier New" panose="02070309020205020404" pitchFamily="49" charset="0"/>
+              </a:rPr>
+              <a:t>E</a:t>
+            </a:r>
+            <a:r>
+              <a:rPr lang="it-IT" sz="1600" b="1" dirty="0">
+                <a:latin typeface="Courier New" panose="02070309020205020404" pitchFamily="49" charset="0"/>
+                <a:cs typeface="Courier New" panose="02070309020205020404" pitchFamily="49" charset="0"/>
+              </a:rPr>
+              <a:t> &amp;</a:t>
+            </a:r>
+            <a:r>
+              <a:rPr lang="it-IT" sz="1600" b="1" dirty="0" err="1">
+                <a:latin typeface="Courier New" panose="02070309020205020404" pitchFamily="49" charset="0"/>
+                <a:cs typeface="Courier New" panose="02070309020205020404" pitchFamily="49" charset="0"/>
+              </a:rPr>
+              <a:t>value</a:t>
+            </a:r>
+            <a:r>
+              <a:rPr lang="it-IT" sz="1600" b="1" dirty="0">
+                <a:latin typeface="Courier New" panose="02070309020205020404" pitchFamily="49" charset="0"/>
+                <a:cs typeface="Courier New" panose="02070309020205020404" pitchFamily="49" charset="0"/>
+              </a:rPr>
+              <a:t>) {</a:t>
+            </a:r>
+          </a:p>
+          <a:p>
+            <a:pPr marL="0" indent="0">
+              <a:buNone/>
+            </a:pPr>
+            <a:r>
+              <a:rPr lang="it-IT" sz="1600" b="1" dirty="0">
+                <a:latin typeface="Courier New" panose="02070309020205020404" pitchFamily="49" charset="0"/>
+                <a:cs typeface="Courier New" panose="02070309020205020404" pitchFamily="49" charset="0"/>
+              </a:rPr>
+              <a:t>   </a:t>
+            </a:r>
+            <a:r>
+              <a:rPr lang="it-IT" sz="1600" b="1" dirty="0">
+                <a:solidFill>
+                  <a:srgbClr val="FF0000"/>
+                </a:solidFill>
+                <a:latin typeface="Courier New" panose="02070309020205020404" pitchFamily="49" charset="0"/>
+                <a:cs typeface="Courier New" panose="02070309020205020404" pitchFamily="49" charset="0"/>
+              </a:rPr>
+              <a:t>Nodo&lt;E&gt; </a:t>
+            </a:r>
+            <a:r>
+              <a:rPr lang="it-IT" sz="1600" b="1" dirty="0">
+                <a:latin typeface="Courier New" panose="02070309020205020404" pitchFamily="49" charset="0"/>
+                <a:cs typeface="Courier New" panose="02070309020205020404" pitchFamily="49" charset="0"/>
+              </a:rPr>
+              <a:t>* </a:t>
+            </a:r>
+            <a:r>
+              <a:rPr lang="it-IT" sz="1600" b="1" dirty="0" err="1">
+                <a:latin typeface="Courier New" panose="02070309020205020404" pitchFamily="49" charset="0"/>
+                <a:cs typeface="Courier New" panose="02070309020205020404" pitchFamily="49" charset="0"/>
+              </a:rPr>
+              <a:t>newNodo</a:t>
+            </a:r>
+            <a:r>
+              <a:rPr lang="it-IT" sz="1600" b="1" dirty="0">
+                <a:latin typeface="Courier New" panose="02070309020205020404" pitchFamily="49" charset="0"/>
+                <a:cs typeface="Courier New" panose="02070309020205020404" pitchFamily="49" charset="0"/>
+              </a:rPr>
+              <a:t> = </a:t>
+            </a:r>
+            <a:r>
+              <a:rPr lang="it-IT" sz="1600" b="1" dirty="0">
+                <a:solidFill>
+                  <a:srgbClr val="FF0000"/>
+                </a:solidFill>
+                <a:latin typeface="Courier New" panose="02070309020205020404" pitchFamily="49" charset="0"/>
+                <a:cs typeface="Courier New" panose="02070309020205020404" pitchFamily="49" charset="0"/>
+              </a:rPr>
+              <a:t>new Nodo&lt;E&gt;</a:t>
+            </a:r>
+            <a:r>
+              <a:rPr lang="it-IT" sz="1600" b="1" dirty="0">
+                <a:latin typeface="Courier New" panose="02070309020205020404" pitchFamily="49" charset="0"/>
+                <a:cs typeface="Courier New" panose="02070309020205020404" pitchFamily="49" charset="0"/>
+              </a:rPr>
+              <a:t>(</a:t>
+            </a:r>
+            <a:r>
+              <a:rPr lang="it-IT" sz="1600" b="1" dirty="0" err="1">
+                <a:latin typeface="Courier New" panose="02070309020205020404" pitchFamily="49" charset="0"/>
+                <a:cs typeface="Courier New" panose="02070309020205020404" pitchFamily="49" charset="0"/>
+              </a:rPr>
+              <a:t>value</a:t>
+            </a:r>
+            <a:r>
+              <a:rPr lang="it-IT" sz="1600" b="1" dirty="0">
+                <a:latin typeface="Courier New" panose="02070309020205020404" pitchFamily="49" charset="0"/>
+                <a:cs typeface="Courier New" panose="02070309020205020404" pitchFamily="49" charset="0"/>
+              </a:rPr>
+              <a:t>);</a:t>
+            </a:r>
+          </a:p>
+          <a:p>
+            <a:pPr marL="0" indent="0">
+              <a:buNone/>
+            </a:pPr>
+            <a:r>
+              <a:rPr lang="it-IT" sz="1600" b="1" dirty="0">
+                <a:latin typeface="Courier New" panose="02070309020205020404" pitchFamily="49" charset="0"/>
+                <a:cs typeface="Courier New" panose="02070309020205020404" pitchFamily="49" charset="0"/>
+              </a:rPr>
+              <a:t>   </a:t>
+            </a:r>
+            <a:r>
+              <a:rPr lang="it-IT" sz="1600" b="1" dirty="0" err="1">
+                <a:latin typeface="Courier New" panose="02070309020205020404" pitchFamily="49" charset="0"/>
+                <a:cs typeface="Courier New" panose="02070309020205020404" pitchFamily="49" charset="0"/>
+              </a:rPr>
+              <a:t>newNodo</a:t>
+            </a:r>
+            <a:r>
+              <a:rPr lang="it-IT" sz="1600" b="1" dirty="0">
+                <a:latin typeface="Courier New" panose="02070309020205020404" pitchFamily="49" charset="0"/>
+                <a:cs typeface="Courier New" panose="02070309020205020404" pitchFamily="49" charset="0"/>
+              </a:rPr>
+              <a:t>-&gt;</a:t>
+            </a:r>
+            <a:r>
+              <a:rPr lang="it-IT" sz="1600" b="1" dirty="0" err="1">
+                <a:latin typeface="Courier New" panose="02070309020205020404" pitchFamily="49" charset="0"/>
+                <a:cs typeface="Courier New" panose="02070309020205020404" pitchFamily="49" charset="0"/>
+              </a:rPr>
+              <a:t>next</a:t>
+            </a:r>
+            <a:r>
+              <a:rPr lang="it-IT" sz="1600" b="1" dirty="0">
+                <a:latin typeface="Courier New" panose="02070309020205020404" pitchFamily="49" charset="0"/>
+                <a:cs typeface="Courier New" panose="02070309020205020404" pitchFamily="49" charset="0"/>
+              </a:rPr>
+              <a:t> = testa;</a:t>
+            </a:r>
+          </a:p>
+          <a:p>
+            <a:pPr marL="0" indent="0">
+              <a:buNone/>
+            </a:pPr>
+            <a:r>
+              <a:rPr lang="it-IT" sz="1600" b="1" dirty="0">
+                <a:latin typeface="Courier New" panose="02070309020205020404" pitchFamily="49" charset="0"/>
+                <a:cs typeface="Courier New" panose="02070309020205020404" pitchFamily="49" charset="0"/>
+              </a:rPr>
+              <a:t>   testa = </a:t>
+            </a:r>
+            <a:r>
+              <a:rPr lang="it-IT" sz="1600" b="1" dirty="0" err="1">
+                <a:latin typeface="Courier New" panose="02070309020205020404" pitchFamily="49" charset="0"/>
+                <a:cs typeface="Courier New" panose="02070309020205020404" pitchFamily="49" charset="0"/>
+              </a:rPr>
+              <a:t>newNodo</a:t>
+            </a:r>
+            <a:r>
+              <a:rPr lang="it-IT" sz="1600" b="1" dirty="0">
+                <a:latin typeface="Courier New" panose="02070309020205020404" pitchFamily="49" charset="0"/>
+                <a:cs typeface="Courier New" panose="02070309020205020404" pitchFamily="49" charset="0"/>
+              </a:rPr>
+              <a:t>;</a:t>
+            </a:r>
+          </a:p>
+          <a:p>
+            <a:pPr marL="0" indent="0">
+              <a:buNone/>
+            </a:pPr>
+            <a:r>
+              <a:rPr lang="it-IT" sz="1600" b="1" dirty="0">
+                <a:latin typeface="Courier New" panose="02070309020205020404" pitchFamily="49" charset="0"/>
+                <a:cs typeface="Courier New" panose="02070309020205020404" pitchFamily="49" charset="0"/>
+              </a:rPr>
+              <a:t>}</a:t>
+            </a:r>
+          </a:p>
+          <a:p>
+            <a:pPr marL="0" indent="0">
+              <a:buNone/>
+            </a:pPr>
+            <a:r>
+              <a:rPr lang="it-IT" sz="1600" b="1" dirty="0">
+                <a:latin typeface="Courier New" panose="02070309020205020404" pitchFamily="49" charset="0"/>
+                <a:cs typeface="Courier New" panose="02070309020205020404" pitchFamily="49" charset="0"/>
+              </a:rPr>
+              <a:t>. . .</a:t>
+            </a:r>
+          </a:p>
+          <a:p>
+            <a:pPr marL="0" indent="0">
+              <a:buNone/>
+            </a:pPr>
+            <a:r>
+              <a:rPr lang="it-IT" sz="1600" b="1" dirty="0">
+                <a:latin typeface="Courier New" panose="02070309020205020404" pitchFamily="49" charset="0"/>
+                <a:cs typeface="Courier New" panose="02070309020205020404" pitchFamily="49" charset="0"/>
+              </a:rPr>
+              <a:t>. . .</a:t>
+            </a:r>
+          </a:p>
+          <a:p>
+            <a:pPr marL="0" indent="0">
+              <a:buNone/>
+            </a:pPr>
+            <a:r>
+              <a:rPr lang="it-IT" sz="1600" b="1" dirty="0" err="1">
+                <a:latin typeface="Courier New" panose="02070309020205020404" pitchFamily="49" charset="0"/>
+                <a:cs typeface="Courier New" panose="02070309020205020404" pitchFamily="49" charset="0"/>
+              </a:rPr>
+              <a:t>int</a:t>
+            </a:r>
+            <a:r>
+              <a:rPr lang="it-IT" sz="1600" b="1" dirty="0">
+                <a:latin typeface="Courier New" panose="02070309020205020404" pitchFamily="49" charset="0"/>
+                <a:cs typeface="Courier New" panose="02070309020205020404" pitchFamily="49" charset="0"/>
+              </a:rPr>
+              <a:t> </a:t>
+            </a:r>
+            <a:r>
+              <a:rPr lang="it-IT" sz="1600" b="1" dirty="0" err="1">
+                <a:solidFill>
+                  <a:srgbClr val="FF0000"/>
+                </a:solidFill>
+                <a:latin typeface="Courier New" panose="02070309020205020404" pitchFamily="49" charset="0"/>
+                <a:cs typeface="Courier New" panose="02070309020205020404" pitchFamily="49" charset="0"/>
+              </a:rPr>
+              <a:t>main</a:t>
+            </a:r>
+            <a:r>
+              <a:rPr lang="it-IT" sz="1600" b="1" dirty="0">
+                <a:latin typeface="Courier New" panose="02070309020205020404" pitchFamily="49" charset="0"/>
+                <a:cs typeface="Courier New" panose="02070309020205020404" pitchFamily="49" charset="0"/>
+              </a:rPr>
+              <a:t>(){</a:t>
+            </a:r>
+          </a:p>
+          <a:p>
+            <a:pPr marL="0" indent="0">
+              <a:buNone/>
+            </a:pPr>
+            <a:r>
+              <a:rPr lang="it-IT" sz="1600" b="1" dirty="0">
+                <a:latin typeface="Courier New" panose="02070309020205020404" pitchFamily="49" charset="0"/>
+                <a:cs typeface="Courier New" panose="02070309020205020404" pitchFamily="49" charset="0"/>
+              </a:rPr>
+              <a:t>    </a:t>
+            </a:r>
+            <a:r>
+              <a:rPr lang="it-IT" sz="1600" b="1" dirty="0">
+                <a:solidFill>
+                  <a:srgbClr val="FF0000"/>
+                </a:solidFill>
+                <a:latin typeface="Courier New" panose="02070309020205020404" pitchFamily="49" charset="0"/>
+                <a:cs typeface="Courier New" panose="02070309020205020404" pitchFamily="49" charset="0"/>
+              </a:rPr>
+              <a:t>Lista&lt;</a:t>
+            </a:r>
+            <a:r>
+              <a:rPr lang="it-IT" sz="1600" b="1" dirty="0" err="1">
+                <a:solidFill>
+                  <a:srgbClr val="FF0000"/>
+                </a:solidFill>
+                <a:latin typeface="Courier New" panose="02070309020205020404" pitchFamily="49" charset="0"/>
+                <a:cs typeface="Courier New" panose="02070309020205020404" pitchFamily="49" charset="0"/>
+              </a:rPr>
+              <a:t>string</a:t>
+            </a:r>
+            <a:r>
+              <a:rPr lang="it-IT" sz="1600" b="1" dirty="0">
+                <a:solidFill>
+                  <a:srgbClr val="FF0000"/>
+                </a:solidFill>
+                <a:latin typeface="Courier New" panose="02070309020205020404" pitchFamily="49" charset="0"/>
+                <a:cs typeface="Courier New" panose="02070309020205020404" pitchFamily="49" charset="0"/>
+              </a:rPr>
+              <a:t>&gt; </a:t>
+            </a:r>
+            <a:r>
+              <a:rPr lang="it-IT" sz="1600" b="1" dirty="0" err="1">
+                <a:latin typeface="Courier New" panose="02070309020205020404" pitchFamily="49" charset="0"/>
+                <a:cs typeface="Courier New" panose="02070309020205020404" pitchFamily="49" charset="0"/>
+              </a:rPr>
+              <a:t>lis</a:t>
+            </a:r>
+            <a:r>
+              <a:rPr lang="it-IT" sz="1600" b="1" dirty="0">
+                <a:latin typeface="Courier New" panose="02070309020205020404" pitchFamily="49" charset="0"/>
+                <a:cs typeface="Courier New" panose="02070309020205020404" pitchFamily="49" charset="0"/>
+              </a:rPr>
+              <a:t>;</a:t>
+            </a:r>
+          </a:p>
+          <a:p>
+            <a:pPr marL="0" indent="0">
+              <a:buNone/>
+            </a:pPr>
+            <a:r>
+              <a:rPr lang="it-IT" sz="1600" b="1" dirty="0">
+                <a:latin typeface="Courier New" panose="02070309020205020404" pitchFamily="49" charset="0"/>
+                <a:cs typeface="Courier New" panose="02070309020205020404" pitchFamily="49" charset="0"/>
+              </a:rPr>
+              <a:t>    </a:t>
+            </a:r>
+            <a:r>
+              <a:rPr lang="it-IT" sz="1600" b="1" dirty="0" err="1">
+                <a:latin typeface="Courier New" panose="02070309020205020404" pitchFamily="49" charset="0"/>
+                <a:cs typeface="Courier New" panose="02070309020205020404" pitchFamily="49" charset="0"/>
+              </a:rPr>
+              <a:t>string</a:t>
+            </a:r>
+            <a:r>
+              <a:rPr lang="it-IT" sz="1600" b="1" dirty="0">
+                <a:latin typeface="Courier New" panose="02070309020205020404" pitchFamily="49" charset="0"/>
+                <a:cs typeface="Courier New" panose="02070309020205020404" pitchFamily="49" charset="0"/>
+              </a:rPr>
+              <a:t> s;</a:t>
+            </a:r>
+          </a:p>
+          <a:p>
+            <a:pPr marL="0" indent="0">
+              <a:buNone/>
+            </a:pPr>
+            <a:r>
+              <a:rPr lang="it-IT" sz="1600" b="1" dirty="0">
+                <a:latin typeface="Courier New" panose="02070309020205020404" pitchFamily="49" charset="0"/>
+                <a:cs typeface="Courier New" panose="02070309020205020404" pitchFamily="49" charset="0"/>
+              </a:rPr>
+              <a:t>    </a:t>
+            </a:r>
+            <a:r>
+              <a:rPr lang="it-IT" sz="1600" b="1" dirty="0" err="1">
+                <a:latin typeface="Courier New" panose="02070309020205020404" pitchFamily="49" charset="0"/>
+                <a:cs typeface="Courier New" panose="02070309020205020404" pitchFamily="49" charset="0"/>
+              </a:rPr>
+              <a:t>lis.insTesta</a:t>
+            </a:r>
+            <a:r>
+              <a:rPr lang="it-IT" sz="1600" b="1" dirty="0">
+                <a:latin typeface="Courier New" panose="02070309020205020404" pitchFamily="49" charset="0"/>
+                <a:cs typeface="Courier New" panose="02070309020205020404" pitchFamily="49" charset="0"/>
+              </a:rPr>
+              <a:t>("hello");</a:t>
+            </a:r>
+          </a:p>
+          <a:p>
+            <a:pPr marL="0" indent="0">
+              <a:buNone/>
+            </a:pPr>
+            <a:r>
+              <a:rPr lang="it-IT" sz="1600" b="1" dirty="0">
+                <a:latin typeface="Courier New" panose="02070309020205020404" pitchFamily="49" charset="0"/>
+                <a:cs typeface="Courier New" panose="02070309020205020404" pitchFamily="49" charset="0"/>
+              </a:rPr>
+              <a:t>    </a:t>
+            </a:r>
+            <a:r>
+              <a:rPr lang="it-IT" sz="1600" b="1" dirty="0" err="1">
+                <a:latin typeface="Courier New" panose="02070309020205020404" pitchFamily="49" charset="0"/>
+                <a:cs typeface="Courier New" panose="02070309020205020404" pitchFamily="49" charset="0"/>
+              </a:rPr>
+              <a:t>cout</a:t>
+            </a:r>
+            <a:r>
+              <a:rPr lang="it-IT" sz="1600" b="1" dirty="0">
+                <a:latin typeface="Courier New" panose="02070309020205020404" pitchFamily="49" charset="0"/>
+                <a:cs typeface="Courier New" panose="02070309020205020404" pitchFamily="49" charset="0"/>
+              </a:rPr>
+              <a:t> &lt;&lt; "</a:t>
+            </a:r>
+            <a:r>
+              <a:rPr lang="it-IT" sz="1600" b="1" dirty="0" err="1">
+                <a:latin typeface="Courier New" panose="02070309020205020404" pitchFamily="49" charset="0"/>
+                <a:cs typeface="Courier New" panose="02070309020205020404" pitchFamily="49" charset="0"/>
+              </a:rPr>
+              <a:t>lis</a:t>
+            </a:r>
+            <a:r>
+              <a:rPr lang="it-IT" sz="1600" b="1" dirty="0">
+                <a:latin typeface="Courier New" panose="02070309020205020404" pitchFamily="49" charset="0"/>
+                <a:cs typeface="Courier New" panose="02070309020205020404" pitchFamily="49" charset="0"/>
+              </a:rPr>
+              <a:t> = " &lt;&lt; </a:t>
+            </a:r>
+            <a:r>
+              <a:rPr lang="it-IT" sz="1600" b="1" dirty="0" err="1">
+                <a:latin typeface="Courier New" panose="02070309020205020404" pitchFamily="49" charset="0"/>
+                <a:cs typeface="Courier New" panose="02070309020205020404" pitchFamily="49" charset="0"/>
+              </a:rPr>
+              <a:t>lis</a:t>
+            </a:r>
+            <a:r>
+              <a:rPr lang="it-IT" sz="1600" b="1" dirty="0">
+                <a:latin typeface="Courier New" panose="02070309020205020404" pitchFamily="49" charset="0"/>
+                <a:cs typeface="Courier New" panose="02070309020205020404" pitchFamily="49" charset="0"/>
+              </a:rPr>
+              <a:t> &lt;&lt; </a:t>
+            </a:r>
+            <a:r>
+              <a:rPr lang="it-IT" sz="1600" b="1" dirty="0" err="1">
+                <a:latin typeface="Courier New" panose="02070309020205020404" pitchFamily="49" charset="0"/>
+                <a:cs typeface="Courier New" panose="02070309020205020404" pitchFamily="49" charset="0"/>
+              </a:rPr>
+              <a:t>endl</a:t>
+            </a:r>
+            <a:r>
+              <a:rPr lang="it-IT" sz="1600" b="1" dirty="0">
+                <a:latin typeface="Courier New" panose="02070309020205020404" pitchFamily="49" charset="0"/>
+                <a:cs typeface="Courier New" panose="02070309020205020404" pitchFamily="49" charset="0"/>
+              </a:rPr>
+              <a:t>;</a:t>
+            </a:r>
+          </a:p>
+          <a:p>
+            <a:pPr marL="0" indent="0">
+              <a:buNone/>
+            </a:pPr>
+            <a:r>
+              <a:rPr lang="it-IT" sz="1600" b="1" dirty="0">
+                <a:latin typeface="Courier New" panose="02070309020205020404" pitchFamily="49" charset="0"/>
+                <a:cs typeface="Courier New" panose="02070309020205020404" pitchFamily="49" charset="0"/>
+              </a:rPr>
+              <a:t>…</a:t>
+            </a:r>
+          </a:p>
+          <a:p>
+            <a:pPr marL="0" indent="0">
+              <a:buNone/>
+            </a:pPr>
+            <a:r>
+              <a:rPr lang="it-IT" sz="1600" b="1" dirty="0">
+                <a:latin typeface="Courier New" panose="02070309020205020404" pitchFamily="49" charset="0"/>
+                <a:cs typeface="Courier New" panose="02070309020205020404" pitchFamily="49" charset="0"/>
+              </a:rPr>
+              <a:t>}</a:t>
+            </a:r>
+          </a:p>
+        </p:txBody>
+      </p:sp>
+      <p:sp>
+        <p:nvSpPr>
+          <p:cNvPr id="4" name="Segnaposto piè di pagina 3">
+            <a:extLst>
+              <a:ext uri="{FF2B5EF4-FFF2-40B4-BE49-F238E27FC236}">
+                <a16:creationId xmlns:a16="http://schemas.microsoft.com/office/drawing/2014/main" id="{60EFBEDB-E998-49DF-83C9-74FB8AB6FF8E}"/>
+              </a:ext>
+            </a:extLst>
+          </p:cNvPr>
+          <p:cNvSpPr>
+            <a:spLocks noGrp="1"/>
+          </p:cNvSpPr>
+          <p:nvPr>
+            <p:ph type="ftr" sz="quarter" idx="11"/>
+          </p:nvPr>
+        </p:nvSpPr>
+        <p:spPr/>
+        <p:txBody>
+          <a:bodyPr/>
+          <a:lstStyle/>
+          <a:p>
+            <a:pPr>
+              <a:defRPr/>
+            </a:pPr>
+            <a:r>
+              <a:rPr lang="it-IT"/>
+              <a:t>Alberto Ferrari – Programmazione di applicazioni SW</a:t>
+            </a:r>
+            <a:endParaRPr lang="it-IT" dirty="0"/>
+          </a:p>
+        </p:txBody>
+      </p:sp>
+    </p:spTree>
+    <p:extLst>
+      <p:ext uri="{BB962C8B-B14F-4D97-AF65-F5344CB8AC3E}">
+        <p14:creationId xmlns:p14="http://schemas.microsoft.com/office/powerpoint/2010/main" val="74100013"/>
+      </p:ext>
+    </p:extLst>
+  </p:cSld>
+  <p:clrMapOvr>
+    <a:masterClrMapping/>
+  </p:clrMapOvr>
+</p:sld>
+</file>
+
 <file path=ppt/slides/slide2.xml><?xml version="1.0" encoding="utf-8"?>
 <p:sld xmlns:a="http://schemas.openxmlformats.org/drawingml/2006/main" xmlns:r="http://schemas.openxmlformats.org/officeDocument/2006/relationships" xmlns:p="http://schemas.openxmlformats.org/presentationml/2006/main">
   <p:cSld>
@@ -6728,7 +9248,7 @@
             </a:r>
             <a:r>
               <a:rPr lang="it-IT" dirty="0"/>
-              <a:t> sono scritti ad un </a:t>
+              <a:t> sono scritti a un </a:t>
             </a:r>
             <a:r>
               <a:rPr lang="it-IT" b="1" i="1" dirty="0"/>
@@ -7325,7 +9845,7 @@
           <a:p>
             <a:pPr lvl="1"/>
             <a:r>
-              <a:rPr lang="it-IT" dirty="0"/>
+              <a:rPr lang="it-IT" i="1" dirty="0"/>
               <a:t>scambia il valore di due variabili</a:t>
             </a:r>
           </a:p>
